--- a/projects/18-01-15_form_drawing/plan.pptx
+++ b/projects/18-01-15_form_drawing/plan.pptx
@@ -8,6 +8,7 @@
     <p:sldId id="256" r:id="rId2"/>
     <p:sldId id="257" r:id="rId3"/>
     <p:sldId id="258" r:id="rId4"/>
+    <p:sldId id="259" r:id="rId5"/>
   </p:sldIdLst>
   <p:sldSz cx="12192000" cy="6858000"/>
   <p:notesSz cx="6858000" cy="9144000"/>
@@ -106,7 +107,16 @@
       </a:defRPr>
     </a:lvl9pPr>
   </p:defaultTextStyle>
+  <p:extLst>
+    <p:ext uri="{EFAFB233-063F-42B5-8137-9DF3F51BA10A}">
+      <p15:sldGuideLst xmlns:p15="http://schemas.microsoft.com/office/powerpoint/2012/main"/>
+    </p:ext>
+  </p:extLst>
 </p:presentation>
+</file>
+
+<file path=ppt/revisionInfo.xml><?xml version="1.0" encoding="utf-8"?>
+<p1510:revInfo xmlns:a="http://schemas.openxmlformats.org/drawingml/2006/main" xmlns:r="http://schemas.openxmlformats.org/officeDocument/2006/relationships" xmlns:p1510="http://schemas.microsoft.com/office/powerpoint/2015/10/main"/>
 </file>
 
 <file path=ppt/slideLayouts/slideLayout1.xml><?xml version="1.0" encoding="utf-8"?>
@@ -256,7 +266,7 @@
           <a:p>
             <a:fld id="{C0B78525-2D77-41CB-B535-4EE8788F99CB}" type="datetimeFigureOut">
               <a:rPr lang="en-US" smtClean="0"/>
-              <a:t>1/18/2018</a:t>
+              <a:t>1/20/2018</a:t>
             </a:fld>
             <a:endParaRPr lang="en-US"/>
           </a:p>
@@ -454,7 +464,7 @@
           <a:p>
             <a:fld id="{C0B78525-2D77-41CB-B535-4EE8788F99CB}" type="datetimeFigureOut">
               <a:rPr lang="en-US" smtClean="0"/>
-              <a:t>1/18/2018</a:t>
+              <a:t>1/20/2018</a:t>
             </a:fld>
             <a:endParaRPr lang="en-US"/>
           </a:p>
@@ -662,7 +672,7 @@
           <a:p>
             <a:fld id="{C0B78525-2D77-41CB-B535-4EE8788F99CB}" type="datetimeFigureOut">
               <a:rPr lang="en-US" smtClean="0"/>
-              <a:t>1/18/2018</a:t>
+              <a:t>1/20/2018</a:t>
             </a:fld>
             <a:endParaRPr lang="en-US"/>
           </a:p>
@@ -860,7 +870,7 @@
           <a:p>
             <a:fld id="{C0B78525-2D77-41CB-B535-4EE8788F99CB}" type="datetimeFigureOut">
               <a:rPr lang="en-US" smtClean="0"/>
-              <a:t>1/18/2018</a:t>
+              <a:t>1/20/2018</a:t>
             </a:fld>
             <a:endParaRPr lang="en-US"/>
           </a:p>
@@ -1135,7 +1145,7 @@
           <a:p>
             <a:fld id="{C0B78525-2D77-41CB-B535-4EE8788F99CB}" type="datetimeFigureOut">
               <a:rPr lang="en-US" smtClean="0"/>
-              <a:t>1/18/2018</a:t>
+              <a:t>1/20/2018</a:t>
             </a:fld>
             <a:endParaRPr lang="en-US"/>
           </a:p>
@@ -1400,7 +1410,7 @@
           <a:p>
             <a:fld id="{C0B78525-2D77-41CB-B535-4EE8788F99CB}" type="datetimeFigureOut">
               <a:rPr lang="en-US" smtClean="0"/>
-              <a:t>1/18/2018</a:t>
+              <a:t>1/20/2018</a:t>
             </a:fld>
             <a:endParaRPr lang="en-US"/>
           </a:p>
@@ -1812,7 +1822,7 @@
           <a:p>
             <a:fld id="{C0B78525-2D77-41CB-B535-4EE8788F99CB}" type="datetimeFigureOut">
               <a:rPr lang="en-US" smtClean="0"/>
-              <a:t>1/18/2018</a:t>
+              <a:t>1/20/2018</a:t>
             </a:fld>
             <a:endParaRPr lang="en-US"/>
           </a:p>
@@ -1953,7 +1963,7 @@
           <a:p>
             <a:fld id="{C0B78525-2D77-41CB-B535-4EE8788F99CB}" type="datetimeFigureOut">
               <a:rPr lang="en-US" smtClean="0"/>
-              <a:t>1/18/2018</a:t>
+              <a:t>1/20/2018</a:t>
             </a:fld>
             <a:endParaRPr lang="en-US"/>
           </a:p>
@@ -2066,7 +2076,7 @@
           <a:p>
             <a:fld id="{C0B78525-2D77-41CB-B535-4EE8788F99CB}" type="datetimeFigureOut">
               <a:rPr lang="en-US" smtClean="0"/>
-              <a:t>1/18/2018</a:t>
+              <a:t>1/20/2018</a:t>
             </a:fld>
             <a:endParaRPr lang="en-US"/>
           </a:p>
@@ -2377,7 +2387,7 @@
           <a:p>
             <a:fld id="{C0B78525-2D77-41CB-B535-4EE8788F99CB}" type="datetimeFigureOut">
               <a:rPr lang="en-US" smtClean="0"/>
-              <a:t>1/18/2018</a:t>
+              <a:t>1/20/2018</a:t>
             </a:fld>
             <a:endParaRPr lang="en-US"/>
           </a:p>
@@ -2665,7 +2675,7 @@
           <a:p>
             <a:fld id="{C0B78525-2D77-41CB-B535-4EE8788F99CB}" type="datetimeFigureOut">
               <a:rPr lang="en-US" smtClean="0"/>
-              <a:t>1/18/2018</a:t>
+              <a:t>1/20/2018</a:t>
             </a:fld>
             <a:endParaRPr lang="en-US"/>
           </a:p>
@@ -2906,7 +2916,7 @@
           <a:p>
             <a:fld id="{C0B78525-2D77-41CB-B535-4EE8788F99CB}" type="datetimeFigureOut">
               <a:rPr lang="en-US" smtClean="0"/>
-              <a:t>1/18/2018</a:t>
+              <a:t>1/20/2018</a:t>
             </a:fld>
             <a:endParaRPr lang="en-US"/>
           </a:p>
@@ -4581,6 +4591,2639 @@
 </p:sld>
 </file>
 
+<file path=ppt/slides/slide4.xml><?xml version="1.0" encoding="utf-8"?>
+<p:sld xmlns:a="http://schemas.openxmlformats.org/drawingml/2006/main" xmlns:r="http://schemas.openxmlformats.org/officeDocument/2006/relationships" xmlns:p="http://schemas.openxmlformats.org/presentationml/2006/main">
+  <p:cSld>
+    <p:spTree>
+      <p:nvGrpSpPr>
+        <p:cNvPr id="1" name=""/>
+        <p:cNvGrpSpPr/>
+        <p:nvPr/>
+      </p:nvGrpSpPr>
+      <p:grpSpPr>
+        <a:xfrm>
+          <a:off x="0" y="0"/>
+          <a:ext cx="0" cy="0"/>
+          <a:chOff x="0" y="0"/>
+          <a:chExt cx="0" cy="0"/>
+        </a:xfrm>
+      </p:grpSpPr>
+      <p:cxnSp>
+        <p:nvCxnSpPr>
+          <p:cNvPr id="7" name="Straight Arrow Connector 6">
+            <a:extLst>
+              <a:ext uri="{FF2B5EF4-FFF2-40B4-BE49-F238E27FC236}">
+                <a16:creationId xmlns:a16="http://schemas.microsoft.com/office/drawing/2014/main" id="{13014182-C727-4460-A057-A8C0FF5A488C}"/>
+              </a:ext>
+            </a:extLst>
+          </p:cNvPr>
+          <p:cNvCxnSpPr>
+            <a:cxnSpLocks/>
+          </p:cNvCxnSpPr>
+          <p:nvPr/>
+        </p:nvCxnSpPr>
+        <p:spPr>
+          <a:xfrm>
+            <a:off x="1977787" y="1272752"/>
+            <a:ext cx="1" cy="256768"/>
+          </a:xfrm>
+          <a:prstGeom prst="straightConnector1">
+            <a:avLst/>
+          </a:prstGeom>
+          <a:ln w="38100">
+            <a:solidFill>
+              <a:schemeClr val="tx1"/>
+            </a:solidFill>
+            <a:tailEnd type="triangle"/>
+          </a:ln>
+        </p:spPr>
+        <p:style>
+          <a:lnRef idx="1">
+            <a:schemeClr val="accent1"/>
+          </a:lnRef>
+          <a:fillRef idx="0">
+            <a:schemeClr val="accent1"/>
+          </a:fillRef>
+          <a:effectRef idx="0">
+            <a:schemeClr val="accent1"/>
+          </a:effectRef>
+          <a:fontRef idx="minor">
+            <a:schemeClr val="tx1"/>
+          </a:fontRef>
+        </p:style>
+      </p:cxnSp>
+      <p:sp>
+        <p:nvSpPr>
+          <p:cNvPr id="9" name="Rectangle 8">
+            <a:extLst>
+              <a:ext uri="{FF2B5EF4-FFF2-40B4-BE49-F238E27FC236}">
+                <a16:creationId xmlns:a16="http://schemas.microsoft.com/office/drawing/2014/main" id="{7178EA54-8B5B-4424-A966-962A689541BF}"/>
+              </a:ext>
+            </a:extLst>
+          </p:cNvPr>
+          <p:cNvSpPr/>
+          <p:nvPr/>
+        </p:nvSpPr>
+        <p:spPr>
+          <a:xfrm>
+            <a:off x="1688592" y="1603248"/>
+            <a:ext cx="8296654" cy="4041648"/>
+          </a:xfrm>
+          <a:prstGeom prst="rect">
+            <a:avLst/>
+          </a:prstGeom>
+          <a:solidFill>
+            <a:schemeClr val="bg1"/>
+          </a:solidFill>
+          <a:ln w="127000">
+            <a:solidFill>
+              <a:schemeClr val="bg1">
+                <a:lumMod val="50000"/>
+              </a:schemeClr>
+            </a:solidFill>
+          </a:ln>
+        </p:spPr>
+        <p:style>
+          <a:lnRef idx="2">
+            <a:schemeClr val="accent1">
+              <a:shade val="50000"/>
+            </a:schemeClr>
+          </a:lnRef>
+          <a:fillRef idx="1">
+            <a:schemeClr val="accent1"/>
+          </a:fillRef>
+          <a:effectRef idx="0">
+            <a:schemeClr val="accent1"/>
+          </a:effectRef>
+          <a:fontRef idx="minor">
+            <a:schemeClr val="lt1"/>
+          </a:fontRef>
+        </p:style>
+        <p:txBody>
+          <a:bodyPr rtlCol="0" anchor="ctr"/>
+          <a:lstStyle/>
+          <a:p>
+            <a:pPr algn="ctr"/>
+            <a:endParaRPr lang="en-US"/>
+          </a:p>
+        </p:txBody>
+      </p:sp>
+      <p:sp>
+        <p:nvSpPr>
+          <p:cNvPr id="10" name="Rectangle 9">
+            <a:extLst>
+              <a:ext uri="{FF2B5EF4-FFF2-40B4-BE49-F238E27FC236}">
+                <a16:creationId xmlns:a16="http://schemas.microsoft.com/office/drawing/2014/main" id="{0A6C7D5C-5F75-4205-97AC-0C76B822AE24}"/>
+              </a:ext>
+            </a:extLst>
+          </p:cNvPr>
+          <p:cNvSpPr/>
+          <p:nvPr/>
+        </p:nvSpPr>
+        <p:spPr>
+          <a:xfrm>
+            <a:off x="1773936" y="1688592"/>
+            <a:ext cx="8119872" cy="3864864"/>
+          </a:xfrm>
+          <a:prstGeom prst="rect">
+            <a:avLst/>
+          </a:prstGeom>
+          <a:solidFill>
+            <a:schemeClr val="bg1"/>
+          </a:solidFill>
+          <a:ln w="127000">
+            <a:solidFill>
+              <a:schemeClr val="accent1">
+                <a:lumMod val="75000"/>
+              </a:schemeClr>
+            </a:solidFill>
+          </a:ln>
+        </p:spPr>
+        <p:style>
+          <a:lnRef idx="2">
+            <a:schemeClr val="accent1">
+              <a:shade val="50000"/>
+            </a:schemeClr>
+          </a:lnRef>
+          <a:fillRef idx="1">
+            <a:schemeClr val="accent1"/>
+          </a:fillRef>
+          <a:effectRef idx="0">
+            <a:schemeClr val="accent1"/>
+          </a:effectRef>
+          <a:fontRef idx="minor">
+            <a:schemeClr val="lt1"/>
+          </a:fontRef>
+        </p:style>
+        <p:txBody>
+          <a:bodyPr rtlCol="0" anchor="ctr"/>
+          <a:lstStyle/>
+          <a:p>
+            <a:pPr algn="ctr"/>
+            <a:endParaRPr lang="en-US"/>
+          </a:p>
+        </p:txBody>
+      </p:sp>
+      <p:cxnSp>
+        <p:nvCxnSpPr>
+          <p:cNvPr id="12" name="Straight Connector 11">
+            <a:extLst>
+              <a:ext uri="{FF2B5EF4-FFF2-40B4-BE49-F238E27FC236}">
+                <a16:creationId xmlns:a16="http://schemas.microsoft.com/office/drawing/2014/main" id="{4D5E6AAB-A5B7-4D6B-9B39-74EE3767F338}"/>
+              </a:ext>
+            </a:extLst>
+          </p:cNvPr>
+          <p:cNvCxnSpPr/>
+          <p:nvPr/>
+        </p:nvCxnSpPr>
+        <p:spPr>
+          <a:xfrm>
+            <a:off x="1834896" y="2090957"/>
+            <a:ext cx="8016240" cy="0"/>
+          </a:xfrm>
+          <a:prstGeom prst="line">
+            <a:avLst/>
+          </a:prstGeom>
+          <a:ln w="127000">
+            <a:solidFill>
+              <a:schemeClr val="accent1">
+                <a:lumMod val="75000"/>
+              </a:schemeClr>
+            </a:solidFill>
+          </a:ln>
+        </p:spPr>
+        <p:style>
+          <a:lnRef idx="1">
+            <a:schemeClr val="accent1"/>
+          </a:lnRef>
+          <a:fillRef idx="0">
+            <a:schemeClr val="accent1"/>
+          </a:fillRef>
+          <a:effectRef idx="0">
+            <a:schemeClr val="accent1"/>
+          </a:effectRef>
+          <a:fontRef idx="minor">
+            <a:schemeClr val="tx1"/>
+          </a:fontRef>
+        </p:style>
+      </p:cxnSp>
+      <p:cxnSp>
+        <p:nvCxnSpPr>
+          <p:cNvPr id="13" name="Straight Connector 12">
+            <a:extLst>
+              <a:ext uri="{FF2B5EF4-FFF2-40B4-BE49-F238E27FC236}">
+                <a16:creationId xmlns:a16="http://schemas.microsoft.com/office/drawing/2014/main" id="{0DBEBDD0-8EDA-4B2E-877A-CC93F901F3A7}"/>
+              </a:ext>
+            </a:extLst>
+          </p:cNvPr>
+          <p:cNvCxnSpPr/>
+          <p:nvPr/>
+        </p:nvCxnSpPr>
+        <p:spPr>
+          <a:xfrm>
+            <a:off x="1834896" y="4467272"/>
+            <a:ext cx="8016240" cy="0"/>
+          </a:xfrm>
+          <a:prstGeom prst="line">
+            <a:avLst/>
+          </a:prstGeom>
+          <a:ln w="127000">
+            <a:solidFill>
+              <a:schemeClr val="accent1">
+                <a:lumMod val="75000"/>
+              </a:schemeClr>
+            </a:solidFill>
+          </a:ln>
+        </p:spPr>
+        <p:style>
+          <a:lnRef idx="1">
+            <a:schemeClr val="accent1"/>
+          </a:lnRef>
+          <a:fillRef idx="0">
+            <a:schemeClr val="accent1"/>
+          </a:fillRef>
+          <a:effectRef idx="0">
+            <a:schemeClr val="accent1"/>
+          </a:effectRef>
+          <a:fontRef idx="minor">
+            <a:schemeClr val="tx1"/>
+          </a:fontRef>
+        </p:style>
+      </p:cxnSp>
+      <p:cxnSp>
+        <p:nvCxnSpPr>
+          <p:cNvPr id="14" name="Straight Connector 13">
+            <a:extLst>
+              <a:ext uri="{FF2B5EF4-FFF2-40B4-BE49-F238E27FC236}">
+                <a16:creationId xmlns:a16="http://schemas.microsoft.com/office/drawing/2014/main" id="{B8793530-04F6-4C28-B81C-E8DC3DE2F991}"/>
+              </a:ext>
+            </a:extLst>
+          </p:cNvPr>
+          <p:cNvCxnSpPr/>
+          <p:nvPr/>
+        </p:nvCxnSpPr>
+        <p:spPr>
+          <a:xfrm>
+            <a:off x="1834896" y="4969841"/>
+            <a:ext cx="8016240" cy="0"/>
+          </a:xfrm>
+          <a:prstGeom prst="line">
+            <a:avLst/>
+          </a:prstGeom>
+          <a:ln w="127000">
+            <a:solidFill>
+              <a:schemeClr val="accent1">
+                <a:lumMod val="75000"/>
+              </a:schemeClr>
+            </a:solidFill>
+          </a:ln>
+        </p:spPr>
+        <p:style>
+          <a:lnRef idx="1">
+            <a:schemeClr val="accent1"/>
+          </a:lnRef>
+          <a:fillRef idx="0">
+            <a:schemeClr val="accent1"/>
+          </a:fillRef>
+          <a:effectRef idx="0">
+            <a:schemeClr val="accent1"/>
+          </a:effectRef>
+          <a:fontRef idx="minor">
+            <a:schemeClr val="tx1"/>
+          </a:fontRef>
+        </p:style>
+      </p:cxnSp>
+      <p:sp>
+        <p:nvSpPr>
+          <p:cNvPr id="15" name="Rectangle 14">
+            <a:extLst>
+              <a:ext uri="{FF2B5EF4-FFF2-40B4-BE49-F238E27FC236}">
+                <a16:creationId xmlns:a16="http://schemas.microsoft.com/office/drawing/2014/main" id="{8823580D-0ECD-445A-92E1-A702ACB3483A}"/>
+              </a:ext>
+            </a:extLst>
+          </p:cNvPr>
+          <p:cNvSpPr/>
+          <p:nvPr/>
+        </p:nvSpPr>
+        <p:spPr>
+          <a:xfrm>
+            <a:off x="1865376" y="5055186"/>
+            <a:ext cx="7955280" cy="431214"/>
+          </a:xfrm>
+          <a:prstGeom prst="rect">
+            <a:avLst/>
+          </a:prstGeom>
+          <a:solidFill>
+            <a:schemeClr val="bg1"/>
+          </a:solidFill>
+          <a:ln w="127000">
+            <a:solidFill>
+              <a:schemeClr val="accent6">
+                <a:lumMod val="75000"/>
+              </a:schemeClr>
+            </a:solidFill>
+          </a:ln>
+        </p:spPr>
+        <p:style>
+          <a:lnRef idx="2">
+            <a:schemeClr val="accent1">
+              <a:shade val="50000"/>
+            </a:schemeClr>
+          </a:lnRef>
+          <a:fillRef idx="1">
+            <a:schemeClr val="accent1"/>
+          </a:fillRef>
+          <a:effectRef idx="0">
+            <a:schemeClr val="accent1"/>
+          </a:effectRef>
+          <a:fontRef idx="minor">
+            <a:schemeClr val="lt1"/>
+          </a:fontRef>
+        </p:style>
+        <p:txBody>
+          <a:bodyPr rtlCol="0" anchor="ctr"/>
+          <a:lstStyle/>
+          <a:p>
+            <a:pPr algn="ctr"/>
+            <a:endParaRPr lang="en-US"/>
+          </a:p>
+        </p:txBody>
+      </p:sp>
+      <p:cxnSp>
+        <p:nvCxnSpPr>
+          <p:cNvPr id="16" name="Straight Connector 15">
+            <a:extLst>
+              <a:ext uri="{FF2B5EF4-FFF2-40B4-BE49-F238E27FC236}">
+                <a16:creationId xmlns:a16="http://schemas.microsoft.com/office/drawing/2014/main" id="{7B73A5D2-8AFA-41D4-9974-0EF704FD1F93}"/>
+              </a:ext>
+            </a:extLst>
+          </p:cNvPr>
+          <p:cNvCxnSpPr>
+            <a:cxnSpLocks/>
+          </p:cNvCxnSpPr>
+          <p:nvPr/>
+        </p:nvCxnSpPr>
+        <p:spPr>
+          <a:xfrm flipV="1">
+            <a:off x="3032910" y="5044273"/>
+            <a:ext cx="0" cy="382446"/>
+          </a:xfrm>
+          <a:prstGeom prst="line">
+            <a:avLst/>
+          </a:prstGeom>
+          <a:ln w="127000">
+            <a:solidFill>
+              <a:schemeClr val="accent6">
+                <a:lumMod val="75000"/>
+              </a:schemeClr>
+            </a:solidFill>
+          </a:ln>
+        </p:spPr>
+        <p:style>
+          <a:lnRef idx="1">
+            <a:schemeClr val="accent1"/>
+          </a:lnRef>
+          <a:fillRef idx="0">
+            <a:schemeClr val="accent1"/>
+          </a:fillRef>
+          <a:effectRef idx="0">
+            <a:schemeClr val="accent1"/>
+          </a:effectRef>
+          <a:fontRef idx="minor">
+            <a:schemeClr val="tx1"/>
+          </a:fontRef>
+        </p:style>
+      </p:cxnSp>
+      <p:cxnSp>
+        <p:nvCxnSpPr>
+          <p:cNvPr id="20" name="Straight Connector 19">
+            <a:extLst>
+              <a:ext uri="{FF2B5EF4-FFF2-40B4-BE49-F238E27FC236}">
+                <a16:creationId xmlns:a16="http://schemas.microsoft.com/office/drawing/2014/main" id="{A2C40EF0-6E02-489F-BD60-E77B8C2A8EB2}"/>
+              </a:ext>
+            </a:extLst>
+          </p:cNvPr>
+          <p:cNvCxnSpPr>
+            <a:cxnSpLocks/>
+          </p:cNvCxnSpPr>
+          <p:nvPr/>
+        </p:nvCxnSpPr>
+        <p:spPr>
+          <a:xfrm flipV="1">
+            <a:off x="9419802" y="5044273"/>
+            <a:ext cx="0" cy="382446"/>
+          </a:xfrm>
+          <a:prstGeom prst="line">
+            <a:avLst/>
+          </a:prstGeom>
+          <a:ln w="127000">
+            <a:solidFill>
+              <a:schemeClr val="accent6">
+                <a:lumMod val="75000"/>
+              </a:schemeClr>
+            </a:solidFill>
+          </a:ln>
+        </p:spPr>
+        <p:style>
+          <a:lnRef idx="1">
+            <a:schemeClr val="accent1"/>
+          </a:lnRef>
+          <a:fillRef idx="0">
+            <a:schemeClr val="accent1"/>
+          </a:fillRef>
+          <a:effectRef idx="0">
+            <a:schemeClr val="accent1"/>
+          </a:effectRef>
+          <a:fontRef idx="minor">
+            <a:schemeClr val="tx1"/>
+          </a:fontRef>
+        </p:style>
+      </p:cxnSp>
+      <p:sp>
+        <p:nvSpPr>
+          <p:cNvPr id="24" name="Rectangle 23">
+            <a:extLst>
+              <a:ext uri="{FF2B5EF4-FFF2-40B4-BE49-F238E27FC236}">
+                <a16:creationId xmlns:a16="http://schemas.microsoft.com/office/drawing/2014/main" id="{9561843F-ABF3-4421-AA48-03113A548EC5}"/>
+              </a:ext>
+            </a:extLst>
+          </p:cNvPr>
+          <p:cNvSpPr/>
+          <p:nvPr/>
+        </p:nvSpPr>
+        <p:spPr>
+          <a:xfrm>
+            <a:off x="1865376" y="4545122"/>
+            <a:ext cx="7955280" cy="295804"/>
+          </a:xfrm>
+          <a:prstGeom prst="rect">
+            <a:avLst/>
+          </a:prstGeom>
+          <a:solidFill>
+            <a:schemeClr val="bg1"/>
+          </a:solidFill>
+          <a:ln w="127000">
+            <a:solidFill>
+              <a:schemeClr val="accent4">
+                <a:lumMod val="75000"/>
+              </a:schemeClr>
+            </a:solidFill>
+          </a:ln>
+        </p:spPr>
+        <p:style>
+          <a:lnRef idx="2">
+            <a:schemeClr val="accent1">
+              <a:shade val="50000"/>
+            </a:schemeClr>
+          </a:lnRef>
+          <a:fillRef idx="1">
+            <a:schemeClr val="accent1"/>
+          </a:fillRef>
+          <a:effectRef idx="0">
+            <a:schemeClr val="accent1"/>
+          </a:effectRef>
+          <a:fontRef idx="minor">
+            <a:schemeClr val="lt1"/>
+          </a:fontRef>
+        </p:style>
+        <p:txBody>
+          <a:bodyPr rtlCol="0" anchor="ctr"/>
+          <a:lstStyle/>
+          <a:p>
+            <a:pPr algn="ctr"/>
+            <a:endParaRPr lang="en-US"/>
+          </a:p>
+        </p:txBody>
+      </p:sp>
+      <p:cxnSp>
+        <p:nvCxnSpPr>
+          <p:cNvPr id="25" name="Straight Connector 24">
+            <a:extLst>
+              <a:ext uri="{FF2B5EF4-FFF2-40B4-BE49-F238E27FC236}">
+                <a16:creationId xmlns:a16="http://schemas.microsoft.com/office/drawing/2014/main" id="{AD6C0827-F631-49A6-9B60-66C9FC98771B}"/>
+              </a:ext>
+            </a:extLst>
+          </p:cNvPr>
+          <p:cNvCxnSpPr>
+            <a:cxnSpLocks/>
+          </p:cNvCxnSpPr>
+          <p:nvPr/>
+        </p:nvCxnSpPr>
+        <p:spPr>
+          <a:xfrm flipV="1">
+            <a:off x="4119798" y="4500152"/>
+            <a:ext cx="0" cy="382446"/>
+          </a:xfrm>
+          <a:prstGeom prst="line">
+            <a:avLst/>
+          </a:prstGeom>
+          <a:ln w="127000">
+            <a:solidFill>
+              <a:schemeClr val="accent4">
+                <a:lumMod val="75000"/>
+              </a:schemeClr>
+            </a:solidFill>
+          </a:ln>
+        </p:spPr>
+        <p:style>
+          <a:lnRef idx="1">
+            <a:schemeClr val="accent1"/>
+          </a:lnRef>
+          <a:fillRef idx="0">
+            <a:schemeClr val="accent1"/>
+          </a:fillRef>
+          <a:effectRef idx="0">
+            <a:schemeClr val="accent1"/>
+          </a:effectRef>
+          <a:fontRef idx="minor">
+            <a:schemeClr val="tx1"/>
+          </a:fontRef>
+        </p:style>
+      </p:cxnSp>
+      <p:cxnSp>
+        <p:nvCxnSpPr>
+          <p:cNvPr id="26" name="Straight Connector 25">
+            <a:extLst>
+              <a:ext uri="{FF2B5EF4-FFF2-40B4-BE49-F238E27FC236}">
+                <a16:creationId xmlns:a16="http://schemas.microsoft.com/office/drawing/2014/main" id="{FA74B9CF-D611-4F24-998B-EE4B001C739D}"/>
+              </a:ext>
+            </a:extLst>
+          </p:cNvPr>
+          <p:cNvCxnSpPr>
+            <a:cxnSpLocks/>
+          </p:cNvCxnSpPr>
+          <p:nvPr/>
+        </p:nvCxnSpPr>
+        <p:spPr>
+          <a:xfrm flipV="1">
+            <a:off x="7330191" y="4494608"/>
+            <a:ext cx="0" cy="382446"/>
+          </a:xfrm>
+          <a:prstGeom prst="line">
+            <a:avLst/>
+          </a:prstGeom>
+          <a:ln w="127000">
+            <a:solidFill>
+              <a:schemeClr val="accent4">
+                <a:lumMod val="75000"/>
+              </a:schemeClr>
+            </a:solidFill>
+          </a:ln>
+        </p:spPr>
+        <p:style>
+          <a:lnRef idx="1">
+            <a:schemeClr val="accent1"/>
+          </a:lnRef>
+          <a:fillRef idx="0">
+            <a:schemeClr val="accent1"/>
+          </a:fillRef>
+          <a:effectRef idx="0">
+            <a:schemeClr val="accent1"/>
+          </a:effectRef>
+          <a:fontRef idx="minor">
+            <a:schemeClr val="tx1"/>
+          </a:fontRef>
+        </p:style>
+      </p:cxnSp>
+      <p:sp>
+        <p:nvSpPr>
+          <p:cNvPr id="30" name="Rectangle 29">
+            <a:extLst>
+              <a:ext uri="{FF2B5EF4-FFF2-40B4-BE49-F238E27FC236}">
+                <a16:creationId xmlns:a16="http://schemas.microsoft.com/office/drawing/2014/main" id="{F22ADBC7-77E8-444A-A037-1E4B1559D7A0}"/>
+              </a:ext>
+            </a:extLst>
+          </p:cNvPr>
+          <p:cNvSpPr/>
+          <p:nvPr/>
+        </p:nvSpPr>
+        <p:spPr>
+          <a:xfrm>
+            <a:off x="1325714" y="418199"/>
+            <a:ext cx="1710725" cy="854080"/>
+          </a:xfrm>
+          <a:prstGeom prst="rect">
+            <a:avLst/>
+          </a:prstGeom>
+        </p:spPr>
+        <p:txBody>
+          <a:bodyPr wrap="none">
+            <a:spAutoFit/>
+          </a:bodyPr>
+          <a:lstStyle/>
+          <a:p>
+            <a:r>
+              <a:rPr lang="en-US"/>
+              <a:t>Master panel</a:t>
+            </a:r>
+          </a:p>
+          <a:p>
+            <a:r>
+              <a:rPr lang="en-US" sz="1050">
+                <a:latin typeface="Courier New" panose="02070309020205020404" pitchFamily="49" charset="0"/>
+                <a:cs typeface="Courier New" panose="02070309020205020404" pitchFamily="49" charset="0"/>
+              </a:rPr>
+              <a:t>panel_data_viewer</a:t>
+            </a:r>
+            <a:endParaRPr lang="en-US" sz="1050" i="1"/>
+          </a:p>
+          <a:p>
+            <a:r>
+              <a:rPr lang="en-US" sz="1050" i="1"/>
+              <a:t>contains everything and has</a:t>
+            </a:r>
+          </a:p>
+          <a:p>
+            <a:r>
+              <a:rPr lang="en-US" sz="1050" i="1"/>
+              <a:t>a sunken 3d appearance</a:t>
+            </a:r>
+          </a:p>
+        </p:txBody>
+      </p:sp>
+      <p:sp>
+        <p:nvSpPr>
+          <p:cNvPr id="42" name="Rectangle 41">
+            <a:extLst>
+              <a:ext uri="{FF2B5EF4-FFF2-40B4-BE49-F238E27FC236}">
+                <a16:creationId xmlns:a16="http://schemas.microsoft.com/office/drawing/2014/main" id="{6A8C1452-CC56-4045-AA72-BC52DD887FF1}"/>
+              </a:ext>
+            </a:extLst>
+          </p:cNvPr>
+          <p:cNvSpPr/>
+          <p:nvPr/>
+        </p:nvSpPr>
+        <p:spPr>
+          <a:xfrm>
+            <a:off x="3083789" y="5122621"/>
+            <a:ext cx="6271768" cy="304098"/>
+          </a:xfrm>
+          <a:prstGeom prst="rect">
+            <a:avLst/>
+          </a:prstGeom>
+          <a:solidFill>
+            <a:srgbClr val="FF0000"/>
+          </a:solidFill>
+          <a:ln w="25400">
+            <a:noFill/>
+          </a:ln>
+        </p:spPr>
+        <p:style>
+          <a:lnRef idx="2">
+            <a:schemeClr val="accent1">
+              <a:shade val="50000"/>
+            </a:schemeClr>
+          </a:lnRef>
+          <a:fillRef idx="1">
+            <a:schemeClr val="accent1"/>
+          </a:fillRef>
+          <a:effectRef idx="0">
+            <a:schemeClr val="accent1"/>
+          </a:effectRef>
+          <a:fontRef idx="minor">
+            <a:schemeClr val="lt1"/>
+          </a:fontRef>
+        </p:style>
+        <p:txBody>
+          <a:bodyPr rtlCol="0" anchor="ctr"/>
+          <a:lstStyle/>
+          <a:p>
+            <a:pPr algn="ctr"/>
+            <a:r>
+              <a:rPr lang="en-US" b="1"/>
+              <a:t>SCROLLBAR</a:t>
+            </a:r>
+          </a:p>
+        </p:txBody>
+      </p:sp>
+      <p:sp>
+        <p:nvSpPr>
+          <p:cNvPr id="59" name="Rectangle 58">
+            <a:extLst>
+              <a:ext uri="{FF2B5EF4-FFF2-40B4-BE49-F238E27FC236}">
+                <a16:creationId xmlns:a16="http://schemas.microsoft.com/office/drawing/2014/main" id="{4EC806F9-32B9-4F3F-B466-73AAE4A6D17D}"/>
+              </a:ext>
+            </a:extLst>
+          </p:cNvPr>
+          <p:cNvSpPr/>
+          <p:nvPr/>
+        </p:nvSpPr>
+        <p:spPr>
+          <a:xfrm>
+            <a:off x="1865376" y="4540975"/>
+            <a:ext cx="2254421" cy="304098"/>
+          </a:xfrm>
+          <a:prstGeom prst="rect">
+            <a:avLst/>
+          </a:prstGeom>
+          <a:pattFill prst="trellis">
+            <a:fgClr>
+              <a:schemeClr val="tx1">
+                <a:lumMod val="95000"/>
+                <a:lumOff val="5000"/>
+              </a:schemeClr>
+            </a:fgClr>
+            <a:bgClr>
+              <a:schemeClr val="bg1"/>
+            </a:bgClr>
+          </a:pattFill>
+          <a:ln w="25400">
+            <a:noFill/>
+          </a:ln>
+        </p:spPr>
+        <p:style>
+          <a:lnRef idx="2">
+            <a:schemeClr val="accent1">
+              <a:shade val="50000"/>
+            </a:schemeClr>
+          </a:lnRef>
+          <a:fillRef idx="1">
+            <a:schemeClr val="accent1"/>
+          </a:fillRef>
+          <a:effectRef idx="0">
+            <a:schemeClr val="accent1"/>
+          </a:effectRef>
+          <a:fontRef idx="minor">
+            <a:schemeClr val="lt1"/>
+          </a:fontRef>
+        </p:style>
+        <p:txBody>
+          <a:bodyPr rtlCol="0" anchor="ctr"/>
+          <a:lstStyle/>
+          <a:p>
+            <a:pPr algn="r"/>
+            <a:r>
+              <a:rPr lang="en-US" b="1"/>
+              <a:t>FLOW LAYOUT</a:t>
+            </a:r>
+          </a:p>
+        </p:txBody>
+      </p:sp>
+      <p:sp>
+        <p:nvSpPr>
+          <p:cNvPr id="60" name="Rectangle 59">
+            <a:extLst>
+              <a:ext uri="{FF2B5EF4-FFF2-40B4-BE49-F238E27FC236}">
+                <a16:creationId xmlns:a16="http://schemas.microsoft.com/office/drawing/2014/main" id="{393D2ED6-031A-4933-B47F-30FABDE23757}"/>
+              </a:ext>
+            </a:extLst>
+          </p:cNvPr>
+          <p:cNvSpPr/>
+          <p:nvPr/>
+        </p:nvSpPr>
+        <p:spPr>
+          <a:xfrm>
+            <a:off x="1865376" y="2182278"/>
+            <a:ext cx="7955280" cy="2156077"/>
+          </a:xfrm>
+          <a:prstGeom prst="rect">
+            <a:avLst/>
+          </a:prstGeom>
+          <a:solidFill>
+            <a:schemeClr val="bg1"/>
+          </a:solidFill>
+          <a:ln w="127000">
+            <a:solidFill>
+              <a:schemeClr val="bg2">
+                <a:lumMod val="25000"/>
+              </a:schemeClr>
+            </a:solidFill>
+          </a:ln>
+        </p:spPr>
+        <p:style>
+          <a:lnRef idx="2">
+            <a:schemeClr val="accent1">
+              <a:shade val="50000"/>
+            </a:schemeClr>
+          </a:lnRef>
+          <a:fillRef idx="1">
+            <a:schemeClr val="accent1"/>
+          </a:fillRef>
+          <a:effectRef idx="0">
+            <a:schemeClr val="accent1"/>
+          </a:effectRef>
+          <a:fontRef idx="minor">
+            <a:schemeClr val="lt1"/>
+          </a:fontRef>
+        </p:style>
+        <p:txBody>
+          <a:bodyPr rtlCol="0" anchor="ctr"/>
+          <a:lstStyle/>
+          <a:p>
+            <a:pPr algn="ctr"/>
+            <a:endParaRPr lang="en-US"/>
+          </a:p>
+        </p:txBody>
+      </p:sp>
+      <p:cxnSp>
+        <p:nvCxnSpPr>
+          <p:cNvPr id="62" name="Straight Connector 61">
+            <a:extLst>
+              <a:ext uri="{FF2B5EF4-FFF2-40B4-BE49-F238E27FC236}">
+                <a16:creationId xmlns:a16="http://schemas.microsoft.com/office/drawing/2014/main" id="{8DBFD1DB-9171-45D7-844A-7CC3D4D81FB2}"/>
+              </a:ext>
+            </a:extLst>
+          </p:cNvPr>
+          <p:cNvCxnSpPr>
+            <a:cxnSpLocks/>
+          </p:cNvCxnSpPr>
+          <p:nvPr/>
+        </p:nvCxnSpPr>
+        <p:spPr>
+          <a:xfrm flipV="1">
+            <a:off x="2505764" y="2182278"/>
+            <a:ext cx="0" cy="2156077"/>
+          </a:xfrm>
+          <a:prstGeom prst="line">
+            <a:avLst/>
+          </a:prstGeom>
+          <a:ln w="127000">
+            <a:solidFill>
+              <a:schemeClr val="bg2">
+                <a:lumMod val="25000"/>
+              </a:schemeClr>
+            </a:solidFill>
+          </a:ln>
+        </p:spPr>
+        <p:style>
+          <a:lnRef idx="1">
+            <a:schemeClr val="accent1"/>
+          </a:lnRef>
+          <a:fillRef idx="0">
+            <a:schemeClr val="accent1"/>
+          </a:fillRef>
+          <a:effectRef idx="0">
+            <a:schemeClr val="accent1"/>
+          </a:effectRef>
+          <a:fontRef idx="minor">
+            <a:schemeClr val="tx1"/>
+          </a:fontRef>
+        </p:style>
+      </p:cxnSp>
+      <p:cxnSp>
+        <p:nvCxnSpPr>
+          <p:cNvPr id="64" name="Straight Connector 63">
+            <a:extLst>
+              <a:ext uri="{FF2B5EF4-FFF2-40B4-BE49-F238E27FC236}">
+                <a16:creationId xmlns:a16="http://schemas.microsoft.com/office/drawing/2014/main" id="{321C49BD-9FB5-4452-89D5-6DF2C1AD680C}"/>
+              </a:ext>
+            </a:extLst>
+          </p:cNvPr>
+          <p:cNvCxnSpPr>
+            <a:cxnSpLocks/>
+          </p:cNvCxnSpPr>
+          <p:nvPr/>
+        </p:nvCxnSpPr>
+        <p:spPr>
+          <a:xfrm flipV="1">
+            <a:off x="3032910" y="2182278"/>
+            <a:ext cx="0" cy="2156077"/>
+          </a:xfrm>
+          <a:prstGeom prst="line">
+            <a:avLst/>
+          </a:prstGeom>
+          <a:ln w="127000">
+            <a:solidFill>
+              <a:schemeClr val="bg2">
+                <a:lumMod val="25000"/>
+              </a:schemeClr>
+            </a:solidFill>
+          </a:ln>
+        </p:spPr>
+        <p:style>
+          <a:lnRef idx="1">
+            <a:schemeClr val="accent1"/>
+          </a:lnRef>
+          <a:fillRef idx="0">
+            <a:schemeClr val="accent1"/>
+          </a:fillRef>
+          <a:effectRef idx="0">
+            <a:schemeClr val="accent1"/>
+          </a:effectRef>
+          <a:fontRef idx="minor">
+            <a:schemeClr val="tx1"/>
+          </a:fontRef>
+        </p:style>
+      </p:cxnSp>
+      <p:sp>
+        <p:nvSpPr>
+          <p:cNvPr id="65" name="Rectangle 64">
+            <a:extLst>
+              <a:ext uri="{FF2B5EF4-FFF2-40B4-BE49-F238E27FC236}">
+                <a16:creationId xmlns:a16="http://schemas.microsoft.com/office/drawing/2014/main" id="{92EC3484-F5FA-40CC-BBDD-A2CB68F95E3D}"/>
+              </a:ext>
+            </a:extLst>
+          </p:cNvPr>
+          <p:cNvSpPr/>
+          <p:nvPr/>
+        </p:nvSpPr>
+        <p:spPr>
+          <a:xfrm rot="16200000">
+            <a:off x="1144183" y="2993116"/>
+            <a:ext cx="2073788" cy="539636"/>
+          </a:xfrm>
+          <a:prstGeom prst="rect">
+            <a:avLst/>
+          </a:prstGeom>
+          <a:solidFill>
+            <a:srgbClr val="FF0000"/>
+          </a:solidFill>
+          <a:ln w="25400">
+            <a:noFill/>
+          </a:ln>
+        </p:spPr>
+        <p:style>
+          <a:lnRef idx="2">
+            <a:schemeClr val="accent1">
+              <a:shade val="50000"/>
+            </a:schemeClr>
+          </a:lnRef>
+          <a:fillRef idx="1">
+            <a:schemeClr val="accent1"/>
+          </a:fillRef>
+          <a:effectRef idx="0">
+            <a:schemeClr val="accent1"/>
+          </a:effectRef>
+          <a:fontRef idx="minor">
+            <a:schemeClr val="lt1"/>
+          </a:fontRef>
+        </p:style>
+        <p:txBody>
+          <a:bodyPr rtlCol="0" anchor="ctr"/>
+          <a:lstStyle/>
+          <a:p>
+            <a:pPr algn="ctr"/>
+            <a:r>
+              <a:rPr lang="en-US" b="1"/>
+              <a:t>LABEL</a:t>
+            </a:r>
+          </a:p>
+        </p:txBody>
+      </p:sp>
+      <p:sp>
+        <p:nvSpPr>
+          <p:cNvPr id="67" name="Rectangle 66">
+            <a:extLst>
+              <a:ext uri="{FF2B5EF4-FFF2-40B4-BE49-F238E27FC236}">
+                <a16:creationId xmlns:a16="http://schemas.microsoft.com/office/drawing/2014/main" id="{512BAA4D-3C6F-4776-80B5-8E6E60E7DABD}"/>
+              </a:ext>
+            </a:extLst>
+          </p:cNvPr>
+          <p:cNvSpPr/>
+          <p:nvPr/>
+        </p:nvSpPr>
+        <p:spPr>
+          <a:xfrm>
+            <a:off x="2599695" y="2283440"/>
+            <a:ext cx="318377" cy="1968722"/>
+          </a:xfrm>
+          <a:prstGeom prst="rect">
+            <a:avLst/>
+          </a:prstGeom>
+          <a:solidFill>
+            <a:schemeClr val="bg1"/>
+          </a:solidFill>
+          <a:ln w="127000">
+            <a:solidFill>
+              <a:schemeClr val="tx2">
+                <a:lumMod val="60000"/>
+                <a:lumOff val="40000"/>
+              </a:schemeClr>
+            </a:solidFill>
+          </a:ln>
+        </p:spPr>
+        <p:style>
+          <a:lnRef idx="2">
+            <a:schemeClr val="accent1">
+              <a:shade val="50000"/>
+            </a:schemeClr>
+          </a:lnRef>
+          <a:fillRef idx="1">
+            <a:schemeClr val="accent1"/>
+          </a:fillRef>
+          <a:effectRef idx="0">
+            <a:schemeClr val="accent1"/>
+          </a:effectRef>
+          <a:fontRef idx="minor">
+            <a:schemeClr val="lt1"/>
+          </a:fontRef>
+        </p:style>
+        <p:txBody>
+          <a:bodyPr rtlCol="0" anchor="ctr"/>
+          <a:lstStyle/>
+          <a:p>
+            <a:pPr algn="ctr"/>
+            <a:endParaRPr lang="en-US"/>
+          </a:p>
+        </p:txBody>
+      </p:sp>
+      <p:cxnSp>
+        <p:nvCxnSpPr>
+          <p:cNvPr id="68" name="Straight Connector 67">
+            <a:extLst>
+              <a:ext uri="{FF2B5EF4-FFF2-40B4-BE49-F238E27FC236}">
+                <a16:creationId xmlns:a16="http://schemas.microsoft.com/office/drawing/2014/main" id="{1AA988AB-D74E-4EF0-A7A8-DB1335C30542}"/>
+              </a:ext>
+            </a:extLst>
+          </p:cNvPr>
+          <p:cNvCxnSpPr>
+            <a:cxnSpLocks/>
+            <a:stCxn id="67" idx="3"/>
+            <a:endCxn id="67" idx="1"/>
+          </p:cNvCxnSpPr>
+          <p:nvPr/>
+        </p:nvCxnSpPr>
+        <p:spPr>
+          <a:xfrm flipH="1">
+            <a:off x="2599695" y="3267801"/>
+            <a:ext cx="318377" cy="0"/>
+          </a:xfrm>
+          <a:prstGeom prst="line">
+            <a:avLst/>
+          </a:prstGeom>
+          <a:ln w="127000">
+            <a:solidFill>
+              <a:schemeClr val="tx2">
+                <a:lumMod val="60000"/>
+                <a:lumOff val="40000"/>
+              </a:schemeClr>
+            </a:solidFill>
+          </a:ln>
+        </p:spPr>
+        <p:style>
+          <a:lnRef idx="1">
+            <a:schemeClr val="accent1"/>
+          </a:lnRef>
+          <a:fillRef idx="0">
+            <a:schemeClr val="accent1"/>
+          </a:fillRef>
+          <a:effectRef idx="0">
+            <a:schemeClr val="accent1"/>
+          </a:effectRef>
+          <a:fontRef idx="minor">
+            <a:schemeClr val="tx1"/>
+          </a:fontRef>
+        </p:style>
+      </p:cxnSp>
+      <p:sp>
+        <p:nvSpPr>
+          <p:cNvPr id="75" name="Rectangle 74">
+            <a:extLst>
+              <a:ext uri="{FF2B5EF4-FFF2-40B4-BE49-F238E27FC236}">
+                <a16:creationId xmlns:a16="http://schemas.microsoft.com/office/drawing/2014/main" id="{F94B12E2-439D-4E65-84EA-9A4E1E5DE8D6}"/>
+              </a:ext>
+            </a:extLst>
+          </p:cNvPr>
+          <p:cNvSpPr/>
+          <p:nvPr/>
+        </p:nvSpPr>
+        <p:spPr>
+          <a:xfrm>
+            <a:off x="1888809" y="4552617"/>
+            <a:ext cx="197601" cy="183677"/>
+          </a:xfrm>
+          <a:prstGeom prst="rect">
+            <a:avLst/>
+          </a:prstGeom>
+          <a:solidFill>
+            <a:srgbClr val="FF0000"/>
+          </a:solidFill>
+          <a:ln w="38100">
+            <a:noFill/>
+          </a:ln>
+        </p:spPr>
+        <p:style>
+          <a:lnRef idx="2">
+            <a:schemeClr val="accent1">
+              <a:shade val="50000"/>
+            </a:schemeClr>
+          </a:lnRef>
+          <a:fillRef idx="1">
+            <a:schemeClr val="accent1"/>
+          </a:fillRef>
+          <a:effectRef idx="0">
+            <a:schemeClr val="accent1"/>
+          </a:effectRef>
+          <a:fontRef idx="minor">
+            <a:schemeClr val="lt1"/>
+          </a:fontRef>
+        </p:style>
+        <p:txBody>
+          <a:bodyPr rtlCol="0" anchor="ctr"/>
+          <a:lstStyle/>
+          <a:p>
+            <a:pPr algn="ctr"/>
+            <a:r>
+              <a:rPr lang="en-US" b="1"/>
+              <a:t>&lt;</a:t>
+            </a:r>
+          </a:p>
+        </p:txBody>
+      </p:sp>
+      <p:sp>
+        <p:nvSpPr>
+          <p:cNvPr id="76" name="Rectangle 75">
+            <a:extLst>
+              <a:ext uri="{FF2B5EF4-FFF2-40B4-BE49-F238E27FC236}">
+                <a16:creationId xmlns:a16="http://schemas.microsoft.com/office/drawing/2014/main" id="{D3FAA98C-E5A6-469F-89C1-56B11A6B14CF}"/>
+              </a:ext>
+            </a:extLst>
+          </p:cNvPr>
+          <p:cNvSpPr/>
+          <p:nvPr/>
+        </p:nvSpPr>
+        <p:spPr>
+          <a:xfrm>
+            <a:off x="2109843" y="4552617"/>
+            <a:ext cx="197601" cy="183677"/>
+          </a:xfrm>
+          <a:prstGeom prst="rect">
+            <a:avLst/>
+          </a:prstGeom>
+          <a:solidFill>
+            <a:srgbClr val="FF0000"/>
+          </a:solidFill>
+          <a:ln w="38100">
+            <a:noFill/>
+          </a:ln>
+        </p:spPr>
+        <p:style>
+          <a:lnRef idx="2">
+            <a:schemeClr val="accent1">
+              <a:shade val="50000"/>
+            </a:schemeClr>
+          </a:lnRef>
+          <a:fillRef idx="1">
+            <a:schemeClr val="accent1"/>
+          </a:fillRef>
+          <a:effectRef idx="0">
+            <a:schemeClr val="accent1"/>
+          </a:effectRef>
+          <a:fontRef idx="minor">
+            <a:schemeClr val="lt1"/>
+          </a:fontRef>
+        </p:style>
+        <p:txBody>
+          <a:bodyPr rtlCol="0" anchor="ctr"/>
+          <a:lstStyle/>
+          <a:p>
+            <a:pPr algn="ctr"/>
+            <a:r>
+              <a:rPr lang="en-US" b="1"/>
+              <a:t>&gt;</a:t>
+            </a:r>
+          </a:p>
+        </p:txBody>
+      </p:sp>
+      <p:sp>
+        <p:nvSpPr>
+          <p:cNvPr id="77" name="Rectangle 76">
+            <a:extLst>
+              <a:ext uri="{FF2B5EF4-FFF2-40B4-BE49-F238E27FC236}">
+                <a16:creationId xmlns:a16="http://schemas.microsoft.com/office/drawing/2014/main" id="{6D6EC833-05B4-45AE-A4BA-39A3A747F68C}"/>
+              </a:ext>
+            </a:extLst>
+          </p:cNvPr>
+          <p:cNvSpPr/>
+          <p:nvPr/>
+        </p:nvSpPr>
+        <p:spPr>
+          <a:xfrm rot="5400000">
+            <a:off x="2661963" y="3017898"/>
+            <a:ext cx="197601" cy="202770"/>
+          </a:xfrm>
+          <a:prstGeom prst="rect">
+            <a:avLst/>
+          </a:prstGeom>
+          <a:solidFill>
+            <a:srgbClr val="FF0000"/>
+          </a:solidFill>
+          <a:ln w="38100">
+            <a:noFill/>
+          </a:ln>
+        </p:spPr>
+        <p:style>
+          <a:lnRef idx="2">
+            <a:schemeClr val="accent1">
+              <a:shade val="50000"/>
+            </a:schemeClr>
+          </a:lnRef>
+          <a:fillRef idx="1">
+            <a:schemeClr val="accent1"/>
+          </a:fillRef>
+          <a:effectRef idx="0">
+            <a:schemeClr val="accent1"/>
+          </a:effectRef>
+          <a:fontRef idx="minor">
+            <a:schemeClr val="lt1"/>
+          </a:fontRef>
+        </p:style>
+        <p:txBody>
+          <a:bodyPr rtlCol="0" anchor="ctr"/>
+          <a:lstStyle/>
+          <a:p>
+            <a:pPr algn="ctr"/>
+            <a:r>
+              <a:rPr lang="en-US" b="1"/>
+              <a:t>&lt;</a:t>
+            </a:r>
+          </a:p>
+        </p:txBody>
+      </p:sp>
+      <p:sp>
+        <p:nvSpPr>
+          <p:cNvPr id="78" name="Rectangle 77">
+            <a:extLst>
+              <a:ext uri="{FF2B5EF4-FFF2-40B4-BE49-F238E27FC236}">
+                <a16:creationId xmlns:a16="http://schemas.microsoft.com/office/drawing/2014/main" id="{1C3B7C7F-B608-4ABB-8060-6D6ABEA81F11}"/>
+              </a:ext>
+            </a:extLst>
+          </p:cNvPr>
+          <p:cNvSpPr/>
+          <p:nvPr/>
+        </p:nvSpPr>
+        <p:spPr>
+          <a:xfrm rot="5400000">
+            <a:off x="2661963" y="3318900"/>
+            <a:ext cx="197601" cy="202770"/>
+          </a:xfrm>
+          <a:prstGeom prst="rect">
+            <a:avLst/>
+          </a:prstGeom>
+          <a:solidFill>
+            <a:srgbClr val="FF0000"/>
+          </a:solidFill>
+          <a:ln w="38100">
+            <a:noFill/>
+          </a:ln>
+        </p:spPr>
+        <p:style>
+          <a:lnRef idx="2">
+            <a:schemeClr val="accent1">
+              <a:shade val="50000"/>
+            </a:schemeClr>
+          </a:lnRef>
+          <a:fillRef idx="1">
+            <a:schemeClr val="accent1"/>
+          </a:fillRef>
+          <a:effectRef idx="0">
+            <a:schemeClr val="accent1"/>
+          </a:effectRef>
+          <a:fontRef idx="minor">
+            <a:schemeClr val="lt1"/>
+          </a:fontRef>
+        </p:style>
+        <p:txBody>
+          <a:bodyPr rtlCol="0" anchor="ctr"/>
+          <a:lstStyle/>
+          <a:p>
+            <a:pPr algn="ctr"/>
+            <a:r>
+              <a:rPr lang="en-US" b="1"/>
+              <a:t>&gt;</a:t>
+            </a:r>
+          </a:p>
+        </p:txBody>
+      </p:sp>
+      <p:sp>
+        <p:nvSpPr>
+          <p:cNvPr id="79" name="Rectangle 78">
+            <a:extLst>
+              <a:ext uri="{FF2B5EF4-FFF2-40B4-BE49-F238E27FC236}">
+                <a16:creationId xmlns:a16="http://schemas.microsoft.com/office/drawing/2014/main" id="{9671A595-7681-4287-8F53-9D63135F0EA4}"/>
+              </a:ext>
+            </a:extLst>
+          </p:cNvPr>
+          <p:cNvSpPr/>
+          <p:nvPr/>
+        </p:nvSpPr>
+        <p:spPr>
+          <a:xfrm>
+            <a:off x="4182413" y="4540975"/>
+            <a:ext cx="3140825" cy="304098"/>
+          </a:xfrm>
+          <a:prstGeom prst="rect">
+            <a:avLst/>
+          </a:prstGeom>
+          <a:solidFill>
+            <a:srgbClr val="FF0000"/>
+          </a:solidFill>
+          <a:ln w="25400">
+            <a:noFill/>
+          </a:ln>
+        </p:spPr>
+        <p:style>
+          <a:lnRef idx="2">
+            <a:schemeClr val="accent1">
+              <a:shade val="50000"/>
+            </a:schemeClr>
+          </a:lnRef>
+          <a:fillRef idx="1">
+            <a:schemeClr val="accent1"/>
+          </a:fillRef>
+          <a:effectRef idx="0">
+            <a:schemeClr val="accent1"/>
+          </a:effectRef>
+          <a:fontRef idx="minor">
+            <a:schemeClr val="lt1"/>
+          </a:fontRef>
+        </p:style>
+        <p:txBody>
+          <a:bodyPr rtlCol="0" anchor="ctr"/>
+          <a:lstStyle/>
+          <a:p>
+            <a:pPr algn="ctr"/>
+            <a:r>
+              <a:rPr lang="en-US" b="1"/>
+              <a:t>LABEL</a:t>
+            </a:r>
+          </a:p>
+        </p:txBody>
+      </p:sp>
+      <p:sp>
+        <p:nvSpPr>
+          <p:cNvPr id="80" name="Rectangle 79">
+            <a:extLst>
+              <a:ext uri="{FF2B5EF4-FFF2-40B4-BE49-F238E27FC236}">
+                <a16:creationId xmlns:a16="http://schemas.microsoft.com/office/drawing/2014/main" id="{46B134EF-083E-4A4A-BE1F-57B3AB48782D}"/>
+              </a:ext>
+            </a:extLst>
+          </p:cNvPr>
+          <p:cNvSpPr/>
+          <p:nvPr/>
+        </p:nvSpPr>
+        <p:spPr>
+          <a:xfrm>
+            <a:off x="7392265" y="4542223"/>
+            <a:ext cx="2428392" cy="304098"/>
+          </a:xfrm>
+          <a:prstGeom prst="rect">
+            <a:avLst/>
+          </a:prstGeom>
+          <a:solidFill>
+            <a:srgbClr val="FF0000"/>
+          </a:solidFill>
+          <a:ln w="25400">
+            <a:noFill/>
+          </a:ln>
+        </p:spPr>
+        <p:style>
+          <a:lnRef idx="2">
+            <a:schemeClr val="accent1">
+              <a:shade val="50000"/>
+            </a:schemeClr>
+          </a:lnRef>
+          <a:fillRef idx="1">
+            <a:schemeClr val="accent1"/>
+          </a:fillRef>
+          <a:effectRef idx="0">
+            <a:schemeClr val="accent1"/>
+          </a:effectRef>
+          <a:fontRef idx="minor">
+            <a:schemeClr val="lt1"/>
+          </a:fontRef>
+        </p:style>
+        <p:txBody>
+          <a:bodyPr rtlCol="0" anchor="ctr"/>
+          <a:lstStyle/>
+          <a:p>
+            <a:pPr algn="r"/>
+            <a:r>
+              <a:rPr lang="en-US" b="1"/>
+              <a:t>LABEL</a:t>
+            </a:r>
+          </a:p>
+        </p:txBody>
+      </p:sp>
+      <p:cxnSp>
+        <p:nvCxnSpPr>
+          <p:cNvPr id="81" name="Straight Connector 80">
+            <a:extLst>
+              <a:ext uri="{FF2B5EF4-FFF2-40B4-BE49-F238E27FC236}">
+                <a16:creationId xmlns:a16="http://schemas.microsoft.com/office/drawing/2014/main" id="{6EDCDAB2-6EC4-4023-93F0-D3E56896F3FF}"/>
+              </a:ext>
+            </a:extLst>
+          </p:cNvPr>
+          <p:cNvCxnSpPr>
+            <a:cxnSpLocks/>
+          </p:cNvCxnSpPr>
+          <p:nvPr/>
+        </p:nvCxnSpPr>
+        <p:spPr>
+          <a:xfrm flipV="1">
+            <a:off x="9428713" y="2182278"/>
+            <a:ext cx="0" cy="2156077"/>
+          </a:xfrm>
+          <a:prstGeom prst="line">
+            <a:avLst/>
+          </a:prstGeom>
+          <a:ln w="127000">
+            <a:solidFill>
+              <a:schemeClr val="bg2">
+                <a:lumMod val="25000"/>
+              </a:schemeClr>
+            </a:solidFill>
+          </a:ln>
+        </p:spPr>
+        <p:style>
+          <a:lnRef idx="1">
+            <a:schemeClr val="accent1"/>
+          </a:lnRef>
+          <a:fillRef idx="0">
+            <a:schemeClr val="accent1"/>
+          </a:fillRef>
+          <a:effectRef idx="0">
+            <a:schemeClr val="accent1"/>
+          </a:effectRef>
+          <a:fontRef idx="minor">
+            <a:schemeClr val="tx1"/>
+          </a:fontRef>
+        </p:style>
+      </p:cxnSp>
+      <p:sp>
+        <p:nvSpPr>
+          <p:cNvPr id="82" name="Rectangle 81">
+            <a:extLst>
+              <a:ext uri="{FF2B5EF4-FFF2-40B4-BE49-F238E27FC236}">
+                <a16:creationId xmlns:a16="http://schemas.microsoft.com/office/drawing/2014/main" id="{4538C7D0-5C77-4FCA-8FD5-02F06ABCBBBE}"/>
+              </a:ext>
+            </a:extLst>
+          </p:cNvPr>
+          <p:cNvSpPr/>
+          <p:nvPr/>
+        </p:nvSpPr>
+        <p:spPr>
+          <a:xfrm rot="16200000">
+            <a:off x="8595645" y="3118234"/>
+            <a:ext cx="2059091" cy="304098"/>
+          </a:xfrm>
+          <a:prstGeom prst="rect">
+            <a:avLst/>
+          </a:prstGeom>
+          <a:solidFill>
+            <a:srgbClr val="FF0000"/>
+          </a:solidFill>
+          <a:ln w="25400">
+            <a:noFill/>
+          </a:ln>
+        </p:spPr>
+        <p:style>
+          <a:lnRef idx="2">
+            <a:schemeClr val="accent1">
+              <a:shade val="50000"/>
+            </a:schemeClr>
+          </a:lnRef>
+          <a:fillRef idx="1">
+            <a:schemeClr val="accent1"/>
+          </a:fillRef>
+          <a:effectRef idx="0">
+            <a:schemeClr val="accent1"/>
+          </a:effectRef>
+          <a:fontRef idx="minor">
+            <a:schemeClr val="lt1"/>
+          </a:fontRef>
+        </p:style>
+        <p:txBody>
+          <a:bodyPr rtlCol="0" anchor="ctr"/>
+          <a:lstStyle/>
+          <a:p>
+            <a:pPr algn="ctr"/>
+            <a:r>
+              <a:rPr lang="en-US" b="1"/>
+              <a:t>SCROLLBAR</a:t>
+            </a:r>
+          </a:p>
+        </p:txBody>
+      </p:sp>
+      <p:sp>
+        <p:nvSpPr>
+          <p:cNvPr id="83" name="Rectangle 82">
+            <a:extLst>
+              <a:ext uri="{FF2B5EF4-FFF2-40B4-BE49-F238E27FC236}">
+                <a16:creationId xmlns:a16="http://schemas.microsoft.com/office/drawing/2014/main" id="{3A88CCE8-1AA6-44A7-A069-F29180D88877}"/>
+              </a:ext>
+            </a:extLst>
+          </p:cNvPr>
+          <p:cNvSpPr/>
+          <p:nvPr/>
+        </p:nvSpPr>
+        <p:spPr>
+          <a:xfrm>
+            <a:off x="3083789" y="2240738"/>
+            <a:ext cx="6308704" cy="2059090"/>
+          </a:xfrm>
+          <a:prstGeom prst="rect">
+            <a:avLst/>
+          </a:prstGeom>
+          <a:solidFill>
+            <a:srgbClr val="FF0000"/>
+          </a:solidFill>
+          <a:ln w="25400">
+            <a:noFill/>
+          </a:ln>
+        </p:spPr>
+        <p:style>
+          <a:lnRef idx="2">
+            <a:schemeClr val="accent1">
+              <a:shade val="50000"/>
+            </a:schemeClr>
+          </a:lnRef>
+          <a:fillRef idx="1">
+            <a:schemeClr val="accent1"/>
+          </a:fillRef>
+          <a:effectRef idx="0">
+            <a:schemeClr val="accent1"/>
+          </a:effectRef>
+          <a:fontRef idx="minor">
+            <a:schemeClr val="lt1"/>
+          </a:fontRef>
+        </p:style>
+        <p:txBody>
+          <a:bodyPr rtlCol="0" anchor="ctr"/>
+          <a:lstStyle/>
+          <a:p>
+            <a:pPr algn="ctr"/>
+            <a:r>
+              <a:rPr lang="en-US" b="1"/>
+              <a:t>PICTUREBOX</a:t>
+            </a:r>
+          </a:p>
+        </p:txBody>
+      </p:sp>
+      <p:sp>
+        <p:nvSpPr>
+          <p:cNvPr id="87" name="Rectangle 86">
+            <a:extLst>
+              <a:ext uri="{FF2B5EF4-FFF2-40B4-BE49-F238E27FC236}">
+                <a16:creationId xmlns:a16="http://schemas.microsoft.com/office/drawing/2014/main" id="{C789B777-F67B-4B58-8939-03967C4B4F8A}"/>
+              </a:ext>
+            </a:extLst>
+          </p:cNvPr>
+          <p:cNvSpPr/>
+          <p:nvPr/>
+        </p:nvSpPr>
+        <p:spPr>
+          <a:xfrm>
+            <a:off x="1842516" y="1741991"/>
+            <a:ext cx="7955280" cy="260475"/>
+          </a:xfrm>
+          <a:prstGeom prst="rect">
+            <a:avLst/>
+          </a:prstGeom>
+          <a:solidFill>
+            <a:schemeClr val="bg1"/>
+          </a:solidFill>
+          <a:ln w="127000">
+            <a:solidFill>
+              <a:schemeClr val="accent6">
+                <a:lumMod val="75000"/>
+              </a:schemeClr>
+            </a:solidFill>
+          </a:ln>
+        </p:spPr>
+        <p:style>
+          <a:lnRef idx="2">
+            <a:schemeClr val="accent1">
+              <a:shade val="50000"/>
+            </a:schemeClr>
+          </a:lnRef>
+          <a:fillRef idx="1">
+            <a:schemeClr val="accent1"/>
+          </a:fillRef>
+          <a:effectRef idx="0">
+            <a:schemeClr val="accent1"/>
+          </a:effectRef>
+          <a:fontRef idx="minor">
+            <a:schemeClr val="lt1"/>
+          </a:fontRef>
+        </p:style>
+        <p:txBody>
+          <a:bodyPr rtlCol="0" anchor="ctr"/>
+          <a:lstStyle/>
+          <a:p>
+            <a:pPr algn="ctr"/>
+            <a:endParaRPr lang="en-US"/>
+          </a:p>
+        </p:txBody>
+      </p:sp>
+      <p:cxnSp>
+        <p:nvCxnSpPr>
+          <p:cNvPr id="93" name="Straight Connector 92">
+            <a:extLst>
+              <a:ext uri="{FF2B5EF4-FFF2-40B4-BE49-F238E27FC236}">
+                <a16:creationId xmlns:a16="http://schemas.microsoft.com/office/drawing/2014/main" id="{D7E73AB9-653A-4FDC-A285-85323EE3B9CF}"/>
+              </a:ext>
+            </a:extLst>
+          </p:cNvPr>
+          <p:cNvCxnSpPr>
+            <a:cxnSpLocks/>
+          </p:cNvCxnSpPr>
+          <p:nvPr/>
+        </p:nvCxnSpPr>
+        <p:spPr>
+          <a:xfrm flipV="1">
+            <a:off x="3048150" y="1809695"/>
+            <a:ext cx="0" cy="151429"/>
+          </a:xfrm>
+          <a:prstGeom prst="line">
+            <a:avLst/>
+          </a:prstGeom>
+          <a:ln w="127000">
+            <a:solidFill>
+              <a:schemeClr val="accent6">
+                <a:lumMod val="75000"/>
+              </a:schemeClr>
+            </a:solidFill>
+          </a:ln>
+        </p:spPr>
+        <p:style>
+          <a:lnRef idx="1">
+            <a:schemeClr val="accent1"/>
+          </a:lnRef>
+          <a:fillRef idx="0">
+            <a:schemeClr val="accent1"/>
+          </a:fillRef>
+          <a:effectRef idx="0">
+            <a:schemeClr val="accent1"/>
+          </a:effectRef>
+          <a:fontRef idx="minor">
+            <a:schemeClr val="tx1"/>
+          </a:fontRef>
+        </p:style>
+      </p:cxnSp>
+      <p:cxnSp>
+        <p:nvCxnSpPr>
+          <p:cNvPr id="94" name="Straight Connector 93">
+            <a:extLst>
+              <a:ext uri="{FF2B5EF4-FFF2-40B4-BE49-F238E27FC236}">
+                <a16:creationId xmlns:a16="http://schemas.microsoft.com/office/drawing/2014/main" id="{826DEEDE-10A1-496D-B01B-4865B74577CB}"/>
+              </a:ext>
+            </a:extLst>
+          </p:cNvPr>
+          <p:cNvCxnSpPr>
+            <a:cxnSpLocks/>
+          </p:cNvCxnSpPr>
+          <p:nvPr/>
+        </p:nvCxnSpPr>
+        <p:spPr>
+          <a:xfrm flipV="1">
+            <a:off x="9427422" y="1802075"/>
+            <a:ext cx="0" cy="151429"/>
+          </a:xfrm>
+          <a:prstGeom prst="line">
+            <a:avLst/>
+          </a:prstGeom>
+          <a:ln w="127000">
+            <a:solidFill>
+              <a:schemeClr val="accent6">
+                <a:lumMod val="75000"/>
+              </a:schemeClr>
+            </a:solidFill>
+          </a:ln>
+        </p:spPr>
+        <p:style>
+          <a:lnRef idx="1">
+            <a:schemeClr val="accent1"/>
+          </a:lnRef>
+          <a:fillRef idx="0">
+            <a:schemeClr val="accent1"/>
+          </a:fillRef>
+          <a:effectRef idx="0">
+            <a:schemeClr val="accent1"/>
+          </a:effectRef>
+          <a:fontRef idx="minor">
+            <a:schemeClr val="tx1"/>
+          </a:fontRef>
+        </p:style>
+      </p:cxnSp>
+      <p:sp>
+        <p:nvSpPr>
+          <p:cNvPr id="95" name="Rectangle 94">
+            <a:extLst>
+              <a:ext uri="{FF2B5EF4-FFF2-40B4-BE49-F238E27FC236}">
+                <a16:creationId xmlns:a16="http://schemas.microsoft.com/office/drawing/2014/main" id="{E8AA5327-691F-4505-93DF-938AB3670A28}"/>
+              </a:ext>
+            </a:extLst>
+          </p:cNvPr>
+          <p:cNvSpPr/>
+          <p:nvPr/>
+        </p:nvSpPr>
+        <p:spPr>
+          <a:xfrm>
+            <a:off x="3060928" y="1802075"/>
+            <a:ext cx="6308107" cy="168182"/>
+          </a:xfrm>
+          <a:prstGeom prst="rect">
+            <a:avLst/>
+          </a:prstGeom>
+          <a:solidFill>
+            <a:srgbClr val="FF0000"/>
+          </a:solidFill>
+          <a:ln w="25400">
+            <a:noFill/>
+          </a:ln>
+        </p:spPr>
+        <p:style>
+          <a:lnRef idx="2">
+            <a:schemeClr val="accent1">
+              <a:shade val="50000"/>
+            </a:schemeClr>
+          </a:lnRef>
+          <a:fillRef idx="1">
+            <a:schemeClr val="accent1"/>
+          </a:fillRef>
+          <a:effectRef idx="0">
+            <a:schemeClr val="accent1"/>
+          </a:effectRef>
+          <a:fontRef idx="minor">
+            <a:schemeClr val="lt1"/>
+          </a:fontRef>
+        </p:style>
+        <p:txBody>
+          <a:bodyPr rtlCol="0" anchor="ctr"/>
+          <a:lstStyle/>
+          <a:p>
+            <a:pPr algn="ctr"/>
+            <a:r>
+              <a:rPr lang="en-US" b="1"/>
+              <a:t>PICTUREBOX</a:t>
+            </a:r>
+          </a:p>
+        </p:txBody>
+      </p:sp>
+      <p:cxnSp>
+        <p:nvCxnSpPr>
+          <p:cNvPr id="96" name="Straight Connector 95">
+            <a:extLst>
+              <a:ext uri="{FF2B5EF4-FFF2-40B4-BE49-F238E27FC236}">
+                <a16:creationId xmlns:a16="http://schemas.microsoft.com/office/drawing/2014/main" id="{65FEA65F-0B2B-447B-BC3D-DFEE6D3829C4}"/>
+              </a:ext>
+            </a:extLst>
+          </p:cNvPr>
+          <p:cNvCxnSpPr>
+            <a:cxnSpLocks/>
+          </p:cNvCxnSpPr>
+          <p:nvPr/>
+        </p:nvCxnSpPr>
+        <p:spPr>
+          <a:xfrm>
+            <a:off x="3025290" y="1335326"/>
+            <a:ext cx="0" cy="4501594"/>
+          </a:xfrm>
+          <a:prstGeom prst="line">
+            <a:avLst/>
+          </a:prstGeom>
+          <a:ln w="25400">
+            <a:solidFill>
+              <a:schemeClr val="tx1"/>
+            </a:solidFill>
+            <a:prstDash val="sysDash"/>
+          </a:ln>
+        </p:spPr>
+        <p:style>
+          <a:lnRef idx="1">
+            <a:schemeClr val="accent1"/>
+          </a:lnRef>
+          <a:fillRef idx="0">
+            <a:schemeClr val="accent1"/>
+          </a:fillRef>
+          <a:effectRef idx="0">
+            <a:schemeClr val="accent1"/>
+          </a:effectRef>
+          <a:fontRef idx="minor">
+            <a:schemeClr val="tx1"/>
+          </a:fontRef>
+        </p:style>
+      </p:cxnSp>
+      <p:cxnSp>
+        <p:nvCxnSpPr>
+          <p:cNvPr id="97" name="Straight Connector 96">
+            <a:extLst>
+              <a:ext uri="{FF2B5EF4-FFF2-40B4-BE49-F238E27FC236}">
+                <a16:creationId xmlns:a16="http://schemas.microsoft.com/office/drawing/2014/main" id="{432168F4-1CD2-487B-A98A-248CEC7F3C50}"/>
+              </a:ext>
+            </a:extLst>
+          </p:cNvPr>
+          <p:cNvCxnSpPr>
+            <a:cxnSpLocks/>
+          </p:cNvCxnSpPr>
+          <p:nvPr/>
+        </p:nvCxnSpPr>
+        <p:spPr>
+          <a:xfrm>
+            <a:off x="9421093" y="1411933"/>
+            <a:ext cx="0" cy="4424987"/>
+          </a:xfrm>
+          <a:prstGeom prst="line">
+            <a:avLst/>
+          </a:prstGeom>
+          <a:ln w="25400">
+            <a:solidFill>
+              <a:schemeClr val="tx1"/>
+            </a:solidFill>
+            <a:prstDash val="sysDash"/>
+          </a:ln>
+        </p:spPr>
+        <p:style>
+          <a:lnRef idx="1">
+            <a:schemeClr val="accent1"/>
+          </a:lnRef>
+          <a:fillRef idx="0">
+            <a:schemeClr val="accent1"/>
+          </a:fillRef>
+          <a:effectRef idx="0">
+            <a:schemeClr val="accent1"/>
+          </a:effectRef>
+          <a:fontRef idx="minor">
+            <a:schemeClr val="tx1"/>
+          </a:fontRef>
+        </p:style>
+      </p:cxnSp>
+      <p:cxnSp>
+        <p:nvCxnSpPr>
+          <p:cNvPr id="98" name="Straight Arrow Connector 97">
+            <a:extLst>
+              <a:ext uri="{FF2B5EF4-FFF2-40B4-BE49-F238E27FC236}">
+                <a16:creationId xmlns:a16="http://schemas.microsoft.com/office/drawing/2014/main" id="{B509A7BA-506E-4519-AEB5-6D0A700CE024}"/>
+              </a:ext>
+            </a:extLst>
+          </p:cNvPr>
+          <p:cNvCxnSpPr>
+            <a:cxnSpLocks/>
+          </p:cNvCxnSpPr>
+          <p:nvPr/>
+        </p:nvCxnSpPr>
+        <p:spPr>
+          <a:xfrm flipH="1">
+            <a:off x="4067667" y="1411933"/>
+            <a:ext cx="1" cy="463658"/>
+          </a:xfrm>
+          <a:prstGeom prst="straightConnector1">
+            <a:avLst/>
+          </a:prstGeom>
+          <a:ln w="38100">
+            <a:solidFill>
+              <a:schemeClr val="tx1"/>
+            </a:solidFill>
+            <a:tailEnd type="triangle"/>
+          </a:ln>
+        </p:spPr>
+        <p:style>
+          <a:lnRef idx="1">
+            <a:schemeClr val="accent1"/>
+          </a:lnRef>
+          <a:fillRef idx="0">
+            <a:schemeClr val="accent1"/>
+          </a:fillRef>
+          <a:effectRef idx="0">
+            <a:schemeClr val="accent1"/>
+          </a:effectRef>
+          <a:fontRef idx="minor">
+            <a:schemeClr val="tx1"/>
+          </a:fontRef>
+        </p:style>
+      </p:cxnSp>
+      <p:sp>
+        <p:nvSpPr>
+          <p:cNvPr id="99" name="Rectangle 98">
+            <a:extLst>
+              <a:ext uri="{FF2B5EF4-FFF2-40B4-BE49-F238E27FC236}">
+                <a16:creationId xmlns:a16="http://schemas.microsoft.com/office/drawing/2014/main" id="{AB1E0BA2-2730-4830-8C65-34B30AF04903}"/>
+              </a:ext>
+            </a:extLst>
+          </p:cNvPr>
+          <p:cNvSpPr/>
+          <p:nvPr/>
+        </p:nvSpPr>
+        <p:spPr>
+          <a:xfrm>
+            <a:off x="3242272" y="686708"/>
+            <a:ext cx="1920719" cy="692497"/>
+          </a:xfrm>
+          <a:prstGeom prst="rect">
+            <a:avLst/>
+          </a:prstGeom>
+        </p:spPr>
+        <p:txBody>
+          <a:bodyPr wrap="none">
+            <a:spAutoFit/>
+          </a:bodyPr>
+          <a:lstStyle/>
+          <a:p>
+            <a:r>
+              <a:rPr lang="en-US"/>
+              <a:t>Marker window</a:t>
+            </a:r>
+          </a:p>
+          <a:p>
+            <a:r>
+              <a:rPr lang="en-US" sz="1050">
+                <a:latin typeface="Courier New" panose="02070309020205020404" pitchFamily="49" charset="0"/>
+                <a:cs typeface="Courier New" panose="02070309020205020404" pitchFamily="49" charset="0"/>
+              </a:rPr>
+              <a:t>pb_markers</a:t>
+            </a:r>
+            <a:endParaRPr lang="en-US" sz="1050"/>
+          </a:p>
+          <a:p>
+            <a:r>
+              <a:rPr lang="en-US" sz="1050" i="1"/>
+              <a:t>will contain draggable elements</a:t>
+            </a:r>
+          </a:p>
+        </p:txBody>
+      </p:sp>
+      <p:cxnSp>
+        <p:nvCxnSpPr>
+          <p:cNvPr id="100" name="Straight Arrow Connector 99">
+            <a:extLst>
+              <a:ext uri="{FF2B5EF4-FFF2-40B4-BE49-F238E27FC236}">
+                <a16:creationId xmlns:a16="http://schemas.microsoft.com/office/drawing/2014/main" id="{329E5A6D-6F4D-4CD2-BFF5-0BDA59223DCD}"/>
+              </a:ext>
+            </a:extLst>
+          </p:cNvPr>
+          <p:cNvCxnSpPr>
+            <a:cxnSpLocks/>
+          </p:cNvCxnSpPr>
+          <p:nvPr/>
+        </p:nvCxnSpPr>
+        <p:spPr>
+          <a:xfrm flipH="1">
+            <a:off x="7431595" y="1335326"/>
+            <a:ext cx="1" cy="1537414"/>
+          </a:xfrm>
+          <a:prstGeom prst="straightConnector1">
+            <a:avLst/>
+          </a:prstGeom>
+          <a:ln w="38100">
+            <a:solidFill>
+              <a:schemeClr val="tx1"/>
+            </a:solidFill>
+            <a:tailEnd type="triangle"/>
+          </a:ln>
+        </p:spPr>
+        <p:style>
+          <a:lnRef idx="1">
+            <a:schemeClr val="accent1"/>
+          </a:lnRef>
+          <a:fillRef idx="0">
+            <a:schemeClr val="accent1"/>
+          </a:fillRef>
+          <a:effectRef idx="0">
+            <a:schemeClr val="accent1"/>
+          </a:effectRef>
+          <a:fontRef idx="minor">
+            <a:schemeClr val="tx1"/>
+          </a:fontRef>
+        </p:style>
+      </p:cxnSp>
+      <p:sp>
+        <p:nvSpPr>
+          <p:cNvPr id="101" name="Rectangle 100">
+            <a:extLst>
+              <a:ext uri="{FF2B5EF4-FFF2-40B4-BE49-F238E27FC236}">
+                <a16:creationId xmlns:a16="http://schemas.microsoft.com/office/drawing/2014/main" id="{CBC1C881-65D8-4450-8E9C-4D64C209E0B8}"/>
+              </a:ext>
+            </a:extLst>
+          </p:cNvPr>
+          <p:cNvSpPr/>
+          <p:nvPr/>
+        </p:nvSpPr>
+        <p:spPr>
+          <a:xfrm>
+            <a:off x="6606199" y="610101"/>
+            <a:ext cx="1226874" cy="692497"/>
+          </a:xfrm>
+          <a:prstGeom prst="rect">
+            <a:avLst/>
+          </a:prstGeom>
+        </p:spPr>
+        <p:txBody>
+          <a:bodyPr wrap="none">
+            <a:spAutoFit/>
+          </a:bodyPr>
+          <a:lstStyle/>
+          <a:p>
+            <a:r>
+              <a:rPr lang="en-US"/>
+              <a:t>Graph area</a:t>
+            </a:r>
+          </a:p>
+          <a:p>
+            <a:r>
+              <a:rPr lang="en-US" sz="1050">
+                <a:latin typeface="Courier New" panose="02070309020205020404" pitchFamily="49" charset="0"/>
+                <a:cs typeface="Courier New" panose="02070309020205020404" pitchFamily="49" charset="0"/>
+              </a:rPr>
+              <a:t>pb_graph</a:t>
+            </a:r>
+            <a:endParaRPr lang="en-US" sz="1050"/>
+          </a:p>
+          <a:p>
+            <a:r>
+              <a:rPr lang="en-US" sz="1050" i="1"/>
+              <a:t>data and axis ticks</a:t>
+            </a:r>
+          </a:p>
+        </p:txBody>
+      </p:sp>
+      <p:sp>
+        <p:nvSpPr>
+          <p:cNvPr id="103" name="Rectangle 102">
+            <a:extLst>
+              <a:ext uri="{FF2B5EF4-FFF2-40B4-BE49-F238E27FC236}">
+                <a16:creationId xmlns:a16="http://schemas.microsoft.com/office/drawing/2014/main" id="{3C3A4F48-F3AD-48F8-B7F1-C60D406B768A}"/>
+              </a:ext>
+            </a:extLst>
+          </p:cNvPr>
+          <p:cNvSpPr/>
+          <p:nvPr/>
+        </p:nvSpPr>
+        <p:spPr>
+          <a:xfrm>
+            <a:off x="181423" y="2710252"/>
+            <a:ext cx="1495153" cy="1015663"/>
+          </a:xfrm>
+          <a:prstGeom prst="rect">
+            <a:avLst/>
+          </a:prstGeom>
+        </p:spPr>
+        <p:txBody>
+          <a:bodyPr wrap="none">
+            <a:spAutoFit/>
+          </a:bodyPr>
+          <a:lstStyle/>
+          <a:p>
+            <a:r>
+              <a:rPr lang="en-US"/>
+              <a:t>Zoom buttons</a:t>
+            </a:r>
+          </a:p>
+          <a:p>
+            <a:r>
+              <a:rPr lang="en-US" sz="1050">
+                <a:latin typeface="Courier New" panose="02070309020205020404" pitchFamily="49" charset="0"/>
+                <a:cs typeface="Courier New" panose="02070309020205020404" pitchFamily="49" charset="0"/>
+              </a:rPr>
+              <a:t>btn_zoom_y_in</a:t>
+            </a:r>
+          </a:p>
+          <a:p>
+            <a:r>
+              <a:rPr lang="en-US" sz="1050">
+                <a:latin typeface="Courier New" panose="02070309020205020404" pitchFamily="49" charset="0"/>
+                <a:cs typeface="Courier New" panose="02070309020205020404" pitchFamily="49" charset="0"/>
+              </a:rPr>
+              <a:t>btn_zoom_y_out</a:t>
+            </a:r>
+          </a:p>
+          <a:p>
+            <a:r>
+              <a:rPr lang="en-US" sz="1050">
+                <a:latin typeface="Courier New" panose="02070309020205020404" pitchFamily="49" charset="0"/>
+                <a:cs typeface="Courier New" panose="02070309020205020404" pitchFamily="49" charset="0"/>
+              </a:rPr>
+              <a:t>btn_zoom_x_in</a:t>
+            </a:r>
+          </a:p>
+          <a:p>
+            <a:r>
+              <a:rPr lang="en-US" sz="1050">
+                <a:latin typeface="Courier New" panose="02070309020205020404" pitchFamily="49" charset="0"/>
+                <a:cs typeface="Courier New" panose="02070309020205020404" pitchFamily="49" charset="0"/>
+              </a:rPr>
+              <a:t>btn_zoom_x_out</a:t>
+            </a:r>
+            <a:endParaRPr lang="en-US" sz="1050" i="1"/>
+          </a:p>
+        </p:txBody>
+      </p:sp>
+      <p:sp>
+        <p:nvSpPr>
+          <p:cNvPr id="104" name="Rectangle 103">
+            <a:extLst>
+              <a:ext uri="{FF2B5EF4-FFF2-40B4-BE49-F238E27FC236}">
+                <a16:creationId xmlns:a16="http://schemas.microsoft.com/office/drawing/2014/main" id="{EC5BC10C-3E9F-496C-81E1-BF67718E3B5A}"/>
+              </a:ext>
+            </a:extLst>
+          </p:cNvPr>
+          <p:cNvSpPr/>
+          <p:nvPr/>
+        </p:nvSpPr>
+        <p:spPr>
+          <a:xfrm>
+            <a:off x="4012371" y="5737683"/>
+            <a:ext cx="5444204" cy="830997"/>
+          </a:xfrm>
+          <a:prstGeom prst="rect">
+            <a:avLst/>
+          </a:prstGeom>
+        </p:spPr>
+        <p:txBody>
+          <a:bodyPr wrap="square">
+            <a:spAutoFit/>
+          </a:bodyPr>
+          <a:lstStyle/>
+          <a:p>
+            <a:pPr marL="171450" indent="-171450">
+              <a:buFont typeface="Arial" panose="020B0604020202020204" pitchFamily="34" charset="0"/>
+              <a:buChar char="•"/>
+            </a:pPr>
+            <a:r>
+              <a:rPr lang="en-US" sz="1200" i="1"/>
+              <a:t>Every color represents another layer of nested layout panels.</a:t>
+            </a:r>
+          </a:p>
+          <a:p>
+            <a:pPr marL="171450" indent="-171450">
+              <a:buFont typeface="Arial" panose="020B0604020202020204" pitchFamily="34" charset="0"/>
+              <a:buChar char="•"/>
+            </a:pPr>
+            <a:r>
+              <a:rPr lang="en-US" sz="1200" i="1"/>
+              <a:t>Attempts are made to align cells of unrelated tables at vertical dashed black lines.</a:t>
+            </a:r>
+          </a:p>
+          <a:p>
+            <a:pPr marL="171450" indent="-171450">
+              <a:buFont typeface="Arial" panose="020B0604020202020204" pitchFamily="34" charset="0"/>
+              <a:buChar char="•"/>
+            </a:pPr>
+            <a:r>
+              <a:rPr lang="en-US" sz="1200" i="1"/>
+              <a:t>Red-filled squares are controls, white-filled squares are empty table cells.</a:t>
+            </a:r>
+          </a:p>
+          <a:p>
+            <a:pPr marL="171450" indent="-171450">
+              <a:buFont typeface="Arial" panose="020B0604020202020204" pitchFamily="34" charset="0"/>
+              <a:buChar char="•"/>
+            </a:pPr>
+            <a:r>
+              <a:rPr lang="en-US" sz="1200" i="1"/>
+              <a:t>Every object is fill-docked, except zoom buttons which are anchored.</a:t>
+            </a:r>
+          </a:p>
+        </p:txBody>
+      </p:sp>
+      <p:cxnSp>
+        <p:nvCxnSpPr>
+          <p:cNvPr id="107" name="Straight Arrow Connector 106">
+            <a:extLst>
+              <a:ext uri="{FF2B5EF4-FFF2-40B4-BE49-F238E27FC236}">
+                <a16:creationId xmlns:a16="http://schemas.microsoft.com/office/drawing/2014/main" id="{853749A2-BFE6-4DA0-A254-05F66092CAF9}"/>
+              </a:ext>
+            </a:extLst>
+          </p:cNvPr>
+          <p:cNvCxnSpPr>
+            <a:cxnSpLocks/>
+            <a:endCxn id="77" idx="2"/>
+          </p:cNvCxnSpPr>
+          <p:nvPr/>
+        </p:nvCxnSpPr>
+        <p:spPr>
+          <a:xfrm flipV="1">
+            <a:off x="1524000" y="3119284"/>
+            <a:ext cx="1135379" cy="248758"/>
+          </a:xfrm>
+          <a:prstGeom prst="straightConnector1">
+            <a:avLst/>
+          </a:prstGeom>
+          <a:ln w="38100">
+            <a:solidFill>
+              <a:schemeClr val="tx1"/>
+            </a:solidFill>
+            <a:tailEnd type="triangle"/>
+          </a:ln>
+        </p:spPr>
+        <p:style>
+          <a:lnRef idx="1">
+            <a:schemeClr val="accent1"/>
+          </a:lnRef>
+          <a:fillRef idx="0">
+            <a:schemeClr val="accent1"/>
+          </a:fillRef>
+          <a:effectRef idx="0">
+            <a:schemeClr val="accent1"/>
+          </a:effectRef>
+          <a:fontRef idx="minor">
+            <a:schemeClr val="tx1"/>
+          </a:fontRef>
+        </p:style>
+      </p:cxnSp>
+      <p:cxnSp>
+        <p:nvCxnSpPr>
+          <p:cNvPr id="110" name="Straight Arrow Connector 109">
+            <a:extLst>
+              <a:ext uri="{FF2B5EF4-FFF2-40B4-BE49-F238E27FC236}">
+                <a16:creationId xmlns:a16="http://schemas.microsoft.com/office/drawing/2014/main" id="{01E43949-7D71-4EF5-8032-D629DEC14D2F}"/>
+              </a:ext>
+            </a:extLst>
+          </p:cNvPr>
+          <p:cNvCxnSpPr>
+            <a:cxnSpLocks/>
+            <a:endCxn id="78" idx="2"/>
+          </p:cNvCxnSpPr>
+          <p:nvPr/>
+        </p:nvCxnSpPr>
+        <p:spPr>
+          <a:xfrm>
+            <a:off x="1551831" y="3367435"/>
+            <a:ext cx="1107548" cy="52851"/>
+          </a:xfrm>
+          <a:prstGeom prst="straightConnector1">
+            <a:avLst/>
+          </a:prstGeom>
+          <a:ln w="38100">
+            <a:solidFill>
+              <a:schemeClr val="tx1"/>
+            </a:solidFill>
+            <a:tailEnd type="triangle"/>
+          </a:ln>
+        </p:spPr>
+        <p:style>
+          <a:lnRef idx="1">
+            <a:schemeClr val="accent1"/>
+          </a:lnRef>
+          <a:fillRef idx="0">
+            <a:schemeClr val="accent1"/>
+          </a:fillRef>
+          <a:effectRef idx="0">
+            <a:schemeClr val="accent1"/>
+          </a:effectRef>
+          <a:fontRef idx="minor">
+            <a:schemeClr val="tx1"/>
+          </a:fontRef>
+        </p:style>
+      </p:cxnSp>
+      <p:cxnSp>
+        <p:nvCxnSpPr>
+          <p:cNvPr id="114" name="Straight Arrow Connector 113">
+            <a:extLst>
+              <a:ext uri="{FF2B5EF4-FFF2-40B4-BE49-F238E27FC236}">
+                <a16:creationId xmlns:a16="http://schemas.microsoft.com/office/drawing/2014/main" id="{65CD9B1C-2565-4EC9-9B18-A17054A37FA4}"/>
+              </a:ext>
+            </a:extLst>
+          </p:cNvPr>
+          <p:cNvCxnSpPr>
+            <a:cxnSpLocks/>
+            <a:endCxn id="75" idx="0"/>
+          </p:cNvCxnSpPr>
+          <p:nvPr/>
+        </p:nvCxnSpPr>
+        <p:spPr>
+          <a:xfrm>
+            <a:off x="1545691" y="3386885"/>
+            <a:ext cx="441919" cy="1165732"/>
+          </a:xfrm>
+          <a:prstGeom prst="straightConnector1">
+            <a:avLst/>
+          </a:prstGeom>
+          <a:ln w="38100">
+            <a:solidFill>
+              <a:schemeClr val="tx1"/>
+            </a:solidFill>
+            <a:tailEnd type="triangle"/>
+          </a:ln>
+        </p:spPr>
+        <p:style>
+          <a:lnRef idx="1">
+            <a:schemeClr val="accent1"/>
+          </a:lnRef>
+          <a:fillRef idx="0">
+            <a:schemeClr val="accent1"/>
+          </a:fillRef>
+          <a:effectRef idx="0">
+            <a:schemeClr val="accent1"/>
+          </a:effectRef>
+          <a:fontRef idx="minor">
+            <a:schemeClr val="tx1"/>
+          </a:fontRef>
+        </p:style>
+      </p:cxnSp>
+      <p:cxnSp>
+        <p:nvCxnSpPr>
+          <p:cNvPr id="116" name="Straight Arrow Connector 115">
+            <a:extLst>
+              <a:ext uri="{FF2B5EF4-FFF2-40B4-BE49-F238E27FC236}">
+                <a16:creationId xmlns:a16="http://schemas.microsoft.com/office/drawing/2014/main" id="{090127C4-7620-43CD-B15A-79834650A613}"/>
+              </a:ext>
+            </a:extLst>
+          </p:cNvPr>
+          <p:cNvCxnSpPr>
+            <a:cxnSpLocks/>
+            <a:endCxn id="76" idx="0"/>
+          </p:cNvCxnSpPr>
+          <p:nvPr/>
+        </p:nvCxnSpPr>
+        <p:spPr>
+          <a:xfrm>
+            <a:off x="1537145" y="3386885"/>
+            <a:ext cx="671499" cy="1165732"/>
+          </a:xfrm>
+          <a:prstGeom prst="straightConnector1">
+            <a:avLst/>
+          </a:prstGeom>
+          <a:ln w="38100">
+            <a:solidFill>
+              <a:schemeClr val="tx1"/>
+            </a:solidFill>
+            <a:tailEnd type="triangle"/>
+          </a:ln>
+        </p:spPr>
+        <p:style>
+          <a:lnRef idx="1">
+            <a:schemeClr val="accent1"/>
+          </a:lnRef>
+          <a:fillRef idx="0">
+            <a:schemeClr val="accent1"/>
+          </a:fillRef>
+          <a:effectRef idx="0">
+            <a:schemeClr val="accent1"/>
+          </a:effectRef>
+          <a:fontRef idx="minor">
+            <a:schemeClr val="tx1"/>
+          </a:fontRef>
+        </p:style>
+      </p:cxnSp>
+      <p:sp>
+        <p:nvSpPr>
+          <p:cNvPr id="120" name="Rectangle 119">
+            <a:extLst>
+              <a:ext uri="{FF2B5EF4-FFF2-40B4-BE49-F238E27FC236}">
+                <a16:creationId xmlns:a16="http://schemas.microsoft.com/office/drawing/2014/main" id="{6DF76ACA-D640-4376-B850-26F26DDE4A74}"/>
+              </a:ext>
+            </a:extLst>
+          </p:cNvPr>
+          <p:cNvSpPr/>
+          <p:nvPr/>
+        </p:nvSpPr>
+        <p:spPr>
+          <a:xfrm>
+            <a:off x="281805" y="1930324"/>
+            <a:ext cx="1206869" cy="530915"/>
+          </a:xfrm>
+          <a:prstGeom prst="rect">
+            <a:avLst/>
+          </a:prstGeom>
+        </p:spPr>
+        <p:txBody>
+          <a:bodyPr wrap="none">
+            <a:spAutoFit/>
+          </a:bodyPr>
+          <a:lstStyle/>
+          <a:p>
+            <a:r>
+              <a:rPr lang="en-US"/>
+              <a:t>Y axis label</a:t>
+            </a:r>
+          </a:p>
+          <a:p>
+            <a:r>
+              <a:rPr lang="en-US" sz="1050">
+                <a:latin typeface="Courier New" panose="02070309020205020404" pitchFamily="49" charset="0"/>
+                <a:cs typeface="Courier New" panose="02070309020205020404" pitchFamily="49" charset="0"/>
+              </a:rPr>
+              <a:t>lbl_axis_y</a:t>
+            </a:r>
+            <a:endParaRPr lang="en-US" sz="1050" i="1"/>
+          </a:p>
+        </p:txBody>
+      </p:sp>
+      <p:cxnSp>
+        <p:nvCxnSpPr>
+          <p:cNvPr id="121" name="Straight Arrow Connector 120">
+            <a:extLst>
+              <a:ext uri="{FF2B5EF4-FFF2-40B4-BE49-F238E27FC236}">
+                <a16:creationId xmlns:a16="http://schemas.microsoft.com/office/drawing/2014/main" id="{CDBB3FE6-AAD7-4025-956F-4F6E0E6516A5}"/>
+              </a:ext>
+            </a:extLst>
+          </p:cNvPr>
+          <p:cNvCxnSpPr>
+            <a:cxnSpLocks/>
+          </p:cNvCxnSpPr>
+          <p:nvPr/>
+        </p:nvCxnSpPr>
+        <p:spPr>
+          <a:xfrm>
+            <a:off x="1265307" y="2315001"/>
+            <a:ext cx="821103" cy="0"/>
+          </a:xfrm>
+          <a:prstGeom prst="straightConnector1">
+            <a:avLst/>
+          </a:prstGeom>
+          <a:ln w="38100">
+            <a:solidFill>
+              <a:schemeClr val="tx1"/>
+            </a:solidFill>
+            <a:tailEnd type="triangle"/>
+          </a:ln>
+        </p:spPr>
+        <p:style>
+          <a:lnRef idx="1">
+            <a:schemeClr val="accent1"/>
+          </a:lnRef>
+          <a:fillRef idx="0">
+            <a:schemeClr val="accent1"/>
+          </a:fillRef>
+          <a:effectRef idx="0">
+            <a:schemeClr val="accent1"/>
+          </a:effectRef>
+          <a:fontRef idx="minor">
+            <a:schemeClr val="tx1"/>
+          </a:fontRef>
+        </p:style>
+      </p:cxnSp>
+      <p:sp>
+        <p:nvSpPr>
+          <p:cNvPr id="125" name="Rectangle 124">
+            <a:extLst>
+              <a:ext uri="{FF2B5EF4-FFF2-40B4-BE49-F238E27FC236}">
+                <a16:creationId xmlns:a16="http://schemas.microsoft.com/office/drawing/2014/main" id="{979F799D-FA2E-4D6B-B911-6C9B0810B6D1}"/>
+              </a:ext>
+            </a:extLst>
+          </p:cNvPr>
+          <p:cNvSpPr/>
+          <p:nvPr/>
+        </p:nvSpPr>
+        <p:spPr>
+          <a:xfrm>
+            <a:off x="2809170" y="5910830"/>
+            <a:ext cx="1206869" cy="530915"/>
+          </a:xfrm>
+          <a:prstGeom prst="rect">
+            <a:avLst/>
+          </a:prstGeom>
+        </p:spPr>
+        <p:txBody>
+          <a:bodyPr wrap="none">
+            <a:spAutoFit/>
+          </a:bodyPr>
+          <a:lstStyle/>
+          <a:p>
+            <a:r>
+              <a:rPr lang="en-US"/>
+              <a:t>X axis label</a:t>
+            </a:r>
+          </a:p>
+          <a:p>
+            <a:r>
+              <a:rPr lang="en-US" sz="1050">
+                <a:latin typeface="Courier New" panose="02070309020205020404" pitchFamily="49" charset="0"/>
+                <a:cs typeface="Courier New" panose="02070309020205020404" pitchFamily="49" charset="0"/>
+              </a:rPr>
+              <a:t>lbl_axis_x</a:t>
+            </a:r>
+            <a:endParaRPr lang="en-US" sz="1050" i="1"/>
+          </a:p>
+        </p:txBody>
+      </p:sp>
+      <p:cxnSp>
+        <p:nvCxnSpPr>
+          <p:cNvPr id="131" name="Straight Arrow Connector 130">
+            <a:extLst>
+              <a:ext uri="{FF2B5EF4-FFF2-40B4-BE49-F238E27FC236}">
+                <a16:creationId xmlns:a16="http://schemas.microsoft.com/office/drawing/2014/main" id="{19944806-E8FD-4D80-AC2B-1B72387D1FBE}"/>
+              </a:ext>
+            </a:extLst>
+          </p:cNvPr>
+          <p:cNvCxnSpPr>
+            <a:cxnSpLocks/>
+          </p:cNvCxnSpPr>
+          <p:nvPr/>
+        </p:nvCxnSpPr>
+        <p:spPr>
+          <a:xfrm flipV="1">
+            <a:off x="3741420" y="4736294"/>
+            <a:ext cx="681502" cy="1199686"/>
+          </a:xfrm>
+          <a:prstGeom prst="straightConnector1">
+            <a:avLst/>
+          </a:prstGeom>
+          <a:ln w="38100">
+            <a:solidFill>
+              <a:schemeClr val="tx1"/>
+            </a:solidFill>
+            <a:tailEnd type="triangle"/>
+          </a:ln>
+        </p:spPr>
+        <p:style>
+          <a:lnRef idx="1">
+            <a:schemeClr val="accent1"/>
+          </a:lnRef>
+          <a:fillRef idx="0">
+            <a:schemeClr val="accent1"/>
+          </a:fillRef>
+          <a:effectRef idx="0">
+            <a:schemeClr val="accent1"/>
+          </a:effectRef>
+          <a:fontRef idx="minor">
+            <a:schemeClr val="tx1"/>
+          </a:fontRef>
+        </p:style>
+      </p:cxnSp>
+      <p:sp>
+        <p:nvSpPr>
+          <p:cNvPr id="133" name="Rectangle 132">
+            <a:extLst>
+              <a:ext uri="{FF2B5EF4-FFF2-40B4-BE49-F238E27FC236}">
+                <a16:creationId xmlns:a16="http://schemas.microsoft.com/office/drawing/2014/main" id="{1162FCA5-186D-4899-95C3-196F6467350E}"/>
+              </a:ext>
+            </a:extLst>
+          </p:cNvPr>
+          <p:cNvSpPr/>
+          <p:nvPr/>
+        </p:nvSpPr>
+        <p:spPr>
+          <a:xfrm>
+            <a:off x="10170610" y="5472225"/>
+            <a:ext cx="1218026" cy="530915"/>
+          </a:xfrm>
+          <a:prstGeom prst="rect">
+            <a:avLst/>
+          </a:prstGeom>
+        </p:spPr>
+        <p:txBody>
+          <a:bodyPr wrap="none">
+            <a:spAutoFit/>
+          </a:bodyPr>
+          <a:lstStyle/>
+          <a:p>
+            <a:r>
+              <a:rPr lang="en-US"/>
+              <a:t>Sweep info</a:t>
+            </a:r>
+          </a:p>
+          <a:p>
+            <a:r>
+              <a:rPr lang="en-US" sz="1050">
+                <a:latin typeface="Courier New" panose="02070309020205020404" pitchFamily="49" charset="0"/>
+                <a:cs typeface="Courier New" panose="02070309020205020404" pitchFamily="49" charset="0"/>
+              </a:rPr>
+              <a:t>lbl_sweep</a:t>
+            </a:r>
+            <a:endParaRPr lang="en-US" sz="1050" i="1"/>
+          </a:p>
+        </p:txBody>
+      </p:sp>
+      <p:cxnSp>
+        <p:nvCxnSpPr>
+          <p:cNvPr id="134" name="Straight Arrow Connector 133">
+            <a:extLst>
+              <a:ext uri="{FF2B5EF4-FFF2-40B4-BE49-F238E27FC236}">
+                <a16:creationId xmlns:a16="http://schemas.microsoft.com/office/drawing/2014/main" id="{2A9A650E-961D-4295-BE5D-877D8BADEA2C}"/>
+              </a:ext>
+            </a:extLst>
+          </p:cNvPr>
+          <p:cNvCxnSpPr>
+            <a:cxnSpLocks/>
+            <a:stCxn id="133" idx="0"/>
+          </p:cNvCxnSpPr>
+          <p:nvPr/>
+        </p:nvCxnSpPr>
+        <p:spPr>
+          <a:xfrm flipH="1" flipV="1">
+            <a:off x="9725623" y="4669253"/>
+            <a:ext cx="1054000" cy="802972"/>
+          </a:xfrm>
+          <a:prstGeom prst="straightConnector1">
+            <a:avLst/>
+          </a:prstGeom>
+          <a:ln w="38100">
+            <a:solidFill>
+              <a:schemeClr val="tx1"/>
+            </a:solidFill>
+            <a:tailEnd type="triangle"/>
+          </a:ln>
+        </p:spPr>
+        <p:style>
+          <a:lnRef idx="1">
+            <a:schemeClr val="accent1"/>
+          </a:lnRef>
+          <a:fillRef idx="0">
+            <a:schemeClr val="accent1"/>
+          </a:fillRef>
+          <a:effectRef idx="0">
+            <a:schemeClr val="accent1"/>
+          </a:effectRef>
+          <a:fontRef idx="minor">
+            <a:schemeClr val="tx1"/>
+          </a:fontRef>
+        </p:style>
+      </p:cxnSp>
+    </p:spTree>
+    <p:extLst>
+      <p:ext uri="{BB962C8B-B14F-4D97-AF65-F5344CB8AC3E}">
+        <p14:creationId xmlns:p14="http://schemas.microsoft.com/office/powerpoint/2010/main" val="2414888756"/>
+      </p:ext>
+    </p:extLst>
+  </p:cSld>
+  <p:clrMapOvr>
+    <a:masterClrMapping/>
+  </p:clrMapOvr>
+</p:sld>
+</file>
+
 <file path=ppt/theme/theme1.xml><?xml version="1.0" encoding="utf-8"?>
 <a:theme xmlns:a="http://schemas.openxmlformats.org/drawingml/2006/main" name="Office Theme">
   <a:themeElements>
